--- a/antigenic_evolution/plots/figures/figure2.pptx
+++ b/antigenic_evolution/plots/figures/figure2.pptx
@@ -7,14 +7,14 @@
   <p:sldIdLst>
     <p:sldId id="256" r:id="rId2"/>
   </p:sldIdLst>
-  <p:sldSz cx="6858000" cy="6629400"/>
+  <p:sldSz cx="10972800" cy="6858000"/>
   <p:notesSz cx="6858000" cy="9144000"/>
   <p:defaultTextStyle>
     <a:defPPr>
       <a:defRPr lang="en-US"/>
     </a:defPPr>
-    <a:lvl1pPr marL="0" algn="l" defTabSz="647395" rtl="0" eaLnBrk="1" latinLnBrk="0" hangingPunct="1">
-      <a:defRPr sz="1274" kern="1200">
+    <a:lvl1pPr marL="0" algn="l" defTabSz="914400" rtl="0" eaLnBrk="1" latinLnBrk="0" hangingPunct="1">
+      <a:defRPr sz="1800" kern="1200">
         <a:solidFill>
           <a:schemeClr val="tx1"/>
         </a:solidFill>
@@ -23,8 +23,8 @@
         <a:cs typeface="+mn-cs"/>
       </a:defRPr>
     </a:lvl1pPr>
-    <a:lvl2pPr marL="323698" algn="l" defTabSz="647395" rtl="0" eaLnBrk="1" latinLnBrk="0" hangingPunct="1">
-      <a:defRPr sz="1274" kern="1200">
+    <a:lvl2pPr marL="457200" algn="l" defTabSz="914400" rtl="0" eaLnBrk="1" latinLnBrk="0" hangingPunct="1">
+      <a:defRPr sz="1800" kern="1200">
         <a:solidFill>
           <a:schemeClr val="tx1"/>
         </a:solidFill>
@@ -33,8 +33,8 @@
         <a:cs typeface="+mn-cs"/>
       </a:defRPr>
     </a:lvl2pPr>
-    <a:lvl3pPr marL="647395" algn="l" defTabSz="647395" rtl="0" eaLnBrk="1" latinLnBrk="0" hangingPunct="1">
-      <a:defRPr sz="1274" kern="1200">
+    <a:lvl3pPr marL="914400" algn="l" defTabSz="914400" rtl="0" eaLnBrk="1" latinLnBrk="0" hangingPunct="1">
+      <a:defRPr sz="1800" kern="1200">
         <a:solidFill>
           <a:schemeClr val="tx1"/>
         </a:solidFill>
@@ -43,8 +43,8 @@
         <a:cs typeface="+mn-cs"/>
       </a:defRPr>
     </a:lvl3pPr>
-    <a:lvl4pPr marL="971093" algn="l" defTabSz="647395" rtl="0" eaLnBrk="1" latinLnBrk="0" hangingPunct="1">
-      <a:defRPr sz="1274" kern="1200">
+    <a:lvl4pPr marL="1371600" algn="l" defTabSz="914400" rtl="0" eaLnBrk="1" latinLnBrk="0" hangingPunct="1">
+      <a:defRPr sz="1800" kern="1200">
         <a:solidFill>
           <a:schemeClr val="tx1"/>
         </a:solidFill>
@@ -53,8 +53,8 @@
         <a:cs typeface="+mn-cs"/>
       </a:defRPr>
     </a:lvl4pPr>
-    <a:lvl5pPr marL="1294790" algn="l" defTabSz="647395" rtl="0" eaLnBrk="1" latinLnBrk="0" hangingPunct="1">
-      <a:defRPr sz="1274" kern="1200">
+    <a:lvl5pPr marL="1828800" algn="l" defTabSz="914400" rtl="0" eaLnBrk="1" latinLnBrk="0" hangingPunct="1">
+      <a:defRPr sz="1800" kern="1200">
         <a:solidFill>
           <a:schemeClr val="tx1"/>
         </a:solidFill>
@@ -63,8 +63,8 @@
         <a:cs typeface="+mn-cs"/>
       </a:defRPr>
     </a:lvl5pPr>
-    <a:lvl6pPr marL="1618488" algn="l" defTabSz="647395" rtl="0" eaLnBrk="1" latinLnBrk="0" hangingPunct="1">
-      <a:defRPr sz="1274" kern="1200">
+    <a:lvl6pPr marL="2286000" algn="l" defTabSz="914400" rtl="0" eaLnBrk="1" latinLnBrk="0" hangingPunct="1">
+      <a:defRPr sz="1800" kern="1200">
         <a:solidFill>
           <a:schemeClr val="tx1"/>
         </a:solidFill>
@@ -73,8 +73,8 @@
         <a:cs typeface="+mn-cs"/>
       </a:defRPr>
     </a:lvl6pPr>
-    <a:lvl7pPr marL="1942186" algn="l" defTabSz="647395" rtl="0" eaLnBrk="1" latinLnBrk="0" hangingPunct="1">
-      <a:defRPr sz="1274" kern="1200">
+    <a:lvl7pPr marL="2743200" algn="l" defTabSz="914400" rtl="0" eaLnBrk="1" latinLnBrk="0" hangingPunct="1">
+      <a:defRPr sz="1800" kern="1200">
         <a:solidFill>
           <a:schemeClr val="tx1"/>
         </a:solidFill>
@@ -83,8 +83,8 @@
         <a:cs typeface="+mn-cs"/>
       </a:defRPr>
     </a:lvl7pPr>
-    <a:lvl8pPr marL="2265883" algn="l" defTabSz="647395" rtl="0" eaLnBrk="1" latinLnBrk="0" hangingPunct="1">
-      <a:defRPr sz="1274" kern="1200">
+    <a:lvl8pPr marL="3200400" algn="l" defTabSz="914400" rtl="0" eaLnBrk="1" latinLnBrk="0" hangingPunct="1">
+      <a:defRPr sz="1800" kern="1200">
         <a:solidFill>
           <a:schemeClr val="tx1"/>
         </a:solidFill>
@@ -93,8 +93,8 @@
         <a:cs typeface="+mn-cs"/>
       </a:defRPr>
     </a:lvl8pPr>
-    <a:lvl9pPr marL="2589581" algn="l" defTabSz="647395" rtl="0" eaLnBrk="1" latinLnBrk="0" hangingPunct="1">
-      <a:defRPr sz="1274" kern="1200">
+    <a:lvl9pPr marL="3657600" algn="l" defTabSz="914400" rtl="0" eaLnBrk="1" latinLnBrk="0" hangingPunct="1">
+      <a:defRPr sz="1800" kern="1200">
         <a:solidFill>
           <a:schemeClr val="tx1"/>
         </a:solidFill>
@@ -141,15 +141,15 @@
         </p:nvSpPr>
         <p:spPr>
           <a:xfrm>
-            <a:off x="514350" y="1084951"/>
-            <a:ext cx="5829300" cy="2308013"/>
+            <a:off x="1371600" y="1122363"/>
+            <a:ext cx="8229600" cy="2387600"/>
           </a:xfrm>
         </p:spPr>
         <p:txBody>
           <a:bodyPr anchor="b"/>
           <a:lstStyle>
             <a:lvl1pPr algn="ctr">
-              <a:defRPr sz="4500"/>
+              <a:defRPr sz="5400"/>
             </a:lvl1pPr>
           </a:lstStyle>
           <a:p>
@@ -173,8 +173,8 @@
         </p:nvSpPr>
         <p:spPr>
           <a:xfrm>
-            <a:off x="857250" y="3481970"/>
-            <a:ext cx="5143500" cy="1600570"/>
+            <a:off x="1371600" y="3602038"/>
+            <a:ext cx="8229600" cy="1655762"/>
           </a:xfrm>
         </p:spPr>
         <p:txBody>
@@ -182,39 +182,39 @@
           <a:lstStyle>
             <a:lvl1pPr marL="0" indent="0" algn="ctr">
               <a:buNone/>
+              <a:defRPr sz="2160"/>
+            </a:lvl1pPr>
+            <a:lvl2pPr marL="411480" indent="0" algn="ctr">
+              <a:buNone/>
               <a:defRPr sz="1800"/>
-            </a:lvl1pPr>
-            <a:lvl2pPr marL="342900" indent="0" algn="ctr">
-              <a:buNone/>
-              <a:defRPr sz="1500"/>
             </a:lvl2pPr>
-            <a:lvl3pPr marL="685800" indent="0" algn="ctr">
-              <a:buNone/>
-              <a:defRPr sz="1350"/>
+            <a:lvl3pPr marL="822960" indent="0" algn="ctr">
+              <a:buNone/>
+              <a:defRPr sz="1620"/>
             </a:lvl3pPr>
-            <a:lvl4pPr marL="1028700" indent="0" algn="ctr">
-              <a:buNone/>
-              <a:defRPr sz="1200"/>
+            <a:lvl4pPr marL="1234440" indent="0" algn="ctr">
+              <a:buNone/>
+              <a:defRPr sz="1440"/>
             </a:lvl4pPr>
-            <a:lvl5pPr marL="1371600" indent="0" algn="ctr">
-              <a:buNone/>
-              <a:defRPr sz="1200"/>
+            <a:lvl5pPr marL="1645920" indent="0" algn="ctr">
+              <a:buNone/>
+              <a:defRPr sz="1440"/>
             </a:lvl5pPr>
-            <a:lvl6pPr marL="1714500" indent="0" algn="ctr">
-              <a:buNone/>
-              <a:defRPr sz="1200"/>
+            <a:lvl6pPr marL="2057400" indent="0" algn="ctr">
+              <a:buNone/>
+              <a:defRPr sz="1440"/>
             </a:lvl6pPr>
-            <a:lvl7pPr marL="2057400" indent="0" algn="ctr">
-              <a:buNone/>
-              <a:defRPr sz="1200"/>
+            <a:lvl7pPr marL="2468880" indent="0" algn="ctr">
+              <a:buNone/>
+              <a:defRPr sz="1440"/>
             </a:lvl7pPr>
-            <a:lvl8pPr marL="2400300" indent="0" algn="ctr">
-              <a:buNone/>
-              <a:defRPr sz="1200"/>
+            <a:lvl8pPr marL="2880360" indent="0" algn="ctr">
+              <a:buNone/>
+              <a:defRPr sz="1440"/>
             </a:lvl8pPr>
-            <a:lvl9pPr marL="2743200" indent="0" algn="ctr">
-              <a:buNone/>
-              <a:defRPr sz="1200"/>
+            <a:lvl9pPr marL="3291840" indent="0" algn="ctr">
+              <a:buNone/>
+              <a:defRPr sz="1440"/>
             </a:lvl9pPr>
           </a:lstStyle>
           <a:p>
@@ -241,7 +241,7 @@
           <a:bodyPr/>
           <a:lstStyle/>
           <a:p>
-            <a:fld id="{401E1E6C-EA39-C04F-8BD7-24F3AA3999CD}" type="datetimeFigureOut">
+            <a:fld id="{36803624-8ED7-D647-A91A-65E33D0C6F14}" type="datetimeFigureOut">
               <a:rPr lang="en-US" smtClean="0"/>
               <a:t>9/11/20</a:t>
             </a:fld>
@@ -283,7 +283,7 @@
           <a:bodyPr/>
           <a:lstStyle/>
           <a:p>
-            <a:fld id="{BDE76867-A68E-9544-9830-80F90AD71362}" type="slidenum">
+            <a:fld id="{7768E68F-9CCE-D04E-B982-4C13A5889D00}" type="slidenum">
               <a:rPr lang="en-US" smtClean="0"/>
               <a:t>‹#›</a:t>
             </a:fld>
@@ -294,7 +294,7 @@
     </p:spTree>
     <p:extLst>
       <p:ext uri="{BB962C8B-B14F-4D97-AF65-F5344CB8AC3E}">
-        <p14:creationId xmlns:p14="http://schemas.microsoft.com/office/powerpoint/2010/main" val="445311107"/>
+        <p14:creationId xmlns:p14="http://schemas.microsoft.com/office/powerpoint/2010/main" val="2683153459"/>
       </p:ext>
     </p:extLst>
   </p:cSld>
@@ -411,7 +411,7 @@
           <a:bodyPr/>
           <a:lstStyle/>
           <a:p>
-            <a:fld id="{401E1E6C-EA39-C04F-8BD7-24F3AA3999CD}" type="datetimeFigureOut">
+            <a:fld id="{36803624-8ED7-D647-A91A-65E33D0C6F14}" type="datetimeFigureOut">
               <a:rPr lang="en-US" smtClean="0"/>
               <a:t>9/11/20</a:t>
             </a:fld>
@@ -453,7 +453,7 @@
           <a:bodyPr/>
           <a:lstStyle/>
           <a:p>
-            <a:fld id="{BDE76867-A68E-9544-9830-80F90AD71362}" type="slidenum">
+            <a:fld id="{7768E68F-9CCE-D04E-B982-4C13A5889D00}" type="slidenum">
               <a:rPr lang="en-US" smtClean="0"/>
               <a:t>‹#›</a:t>
             </a:fld>
@@ -464,7 +464,7 @@
     </p:spTree>
     <p:extLst>
       <p:ext uri="{BB962C8B-B14F-4D97-AF65-F5344CB8AC3E}">
-        <p14:creationId xmlns:p14="http://schemas.microsoft.com/office/powerpoint/2010/main" val="661369027"/>
+        <p14:creationId xmlns:p14="http://schemas.microsoft.com/office/powerpoint/2010/main" val="1846720180"/>
       </p:ext>
     </p:extLst>
   </p:cSld>
@@ -503,8 +503,8 @@
         </p:nvSpPr>
         <p:spPr>
           <a:xfrm>
-            <a:off x="4907757" y="352954"/>
-            <a:ext cx="1478756" cy="5618110"/>
+            <a:off x="7852410" y="365125"/>
+            <a:ext cx="2366010" cy="5811838"/>
           </a:xfrm>
         </p:spPr>
         <p:txBody>
@@ -531,8 +531,8 @@
         </p:nvSpPr>
         <p:spPr>
           <a:xfrm>
-            <a:off x="471488" y="352954"/>
-            <a:ext cx="4350544" cy="5618110"/>
+            <a:off x="754380" y="365125"/>
+            <a:ext cx="6960870" cy="5811838"/>
           </a:xfrm>
         </p:spPr>
         <p:txBody>
@@ -591,7 +591,7 @@
           <a:bodyPr/>
           <a:lstStyle/>
           <a:p>
-            <a:fld id="{401E1E6C-EA39-C04F-8BD7-24F3AA3999CD}" type="datetimeFigureOut">
+            <a:fld id="{36803624-8ED7-D647-A91A-65E33D0C6F14}" type="datetimeFigureOut">
               <a:rPr lang="en-US" smtClean="0"/>
               <a:t>9/11/20</a:t>
             </a:fld>
@@ -633,7 +633,7 @@
           <a:bodyPr/>
           <a:lstStyle/>
           <a:p>
-            <a:fld id="{BDE76867-A68E-9544-9830-80F90AD71362}" type="slidenum">
+            <a:fld id="{7768E68F-9CCE-D04E-B982-4C13A5889D00}" type="slidenum">
               <a:rPr lang="en-US" smtClean="0"/>
               <a:t>‹#›</a:t>
             </a:fld>
@@ -644,7 +644,7 @@
     </p:spTree>
     <p:extLst>
       <p:ext uri="{BB962C8B-B14F-4D97-AF65-F5344CB8AC3E}">
-        <p14:creationId xmlns:p14="http://schemas.microsoft.com/office/powerpoint/2010/main" val="2052910054"/>
+        <p14:creationId xmlns:p14="http://schemas.microsoft.com/office/powerpoint/2010/main" val="3382948780"/>
       </p:ext>
     </p:extLst>
   </p:cSld>
@@ -761,7 +761,7 @@
           <a:bodyPr/>
           <a:lstStyle/>
           <a:p>
-            <a:fld id="{401E1E6C-EA39-C04F-8BD7-24F3AA3999CD}" type="datetimeFigureOut">
+            <a:fld id="{36803624-8ED7-D647-A91A-65E33D0C6F14}" type="datetimeFigureOut">
               <a:rPr lang="en-US" smtClean="0"/>
               <a:t>9/11/20</a:t>
             </a:fld>
@@ -803,7 +803,7 @@
           <a:bodyPr/>
           <a:lstStyle/>
           <a:p>
-            <a:fld id="{BDE76867-A68E-9544-9830-80F90AD71362}" type="slidenum">
+            <a:fld id="{7768E68F-9CCE-D04E-B982-4C13A5889D00}" type="slidenum">
               <a:rPr lang="en-US" smtClean="0"/>
               <a:t>‹#›</a:t>
             </a:fld>
@@ -814,7 +814,7 @@
     </p:spTree>
     <p:extLst>
       <p:ext uri="{BB962C8B-B14F-4D97-AF65-F5344CB8AC3E}">
-        <p14:creationId xmlns:p14="http://schemas.microsoft.com/office/powerpoint/2010/main" val="2311650796"/>
+        <p14:creationId xmlns:p14="http://schemas.microsoft.com/office/powerpoint/2010/main" val="880808662"/>
       </p:ext>
     </p:extLst>
   </p:cSld>
@@ -853,15 +853,15 @@
         </p:nvSpPr>
         <p:spPr>
           <a:xfrm>
-            <a:off x="467916" y="1652748"/>
-            <a:ext cx="5915025" cy="2757646"/>
+            <a:off x="748665" y="1709739"/>
+            <a:ext cx="9464040" cy="2852737"/>
           </a:xfrm>
         </p:spPr>
         <p:txBody>
           <a:bodyPr anchor="b"/>
           <a:lstStyle>
             <a:lvl1pPr>
-              <a:defRPr sz="4500"/>
+              <a:defRPr sz="5400"/>
             </a:lvl1pPr>
           </a:lstStyle>
           <a:p>
@@ -885,8 +885,8 @@
         </p:nvSpPr>
         <p:spPr>
           <a:xfrm>
-            <a:off x="467916" y="4436482"/>
-            <a:ext cx="5915025" cy="1450181"/>
+            <a:off x="748665" y="4589464"/>
+            <a:ext cx="9464040" cy="1500187"/>
           </a:xfrm>
         </p:spPr>
         <p:txBody>
@@ -894,15 +894,17 @@
           <a:lstStyle>
             <a:lvl1pPr marL="0" indent="0">
               <a:buNone/>
-              <a:defRPr sz="1800">
+              <a:defRPr sz="2160">
                 <a:solidFill>
-                  <a:schemeClr val="tx1"/>
+                  <a:schemeClr val="tx1">
+                    <a:tint val="75000"/>
+                  </a:schemeClr>
                 </a:solidFill>
               </a:defRPr>
             </a:lvl1pPr>
-            <a:lvl2pPr marL="342900" indent="0">
-              <a:buNone/>
-              <a:defRPr sz="1500">
+            <a:lvl2pPr marL="411480" indent="0">
+              <a:buNone/>
+              <a:defRPr sz="1800">
                 <a:solidFill>
                   <a:schemeClr val="tx1">
                     <a:tint val="75000"/>
@@ -910,9 +912,9 @@
                 </a:solidFill>
               </a:defRPr>
             </a:lvl2pPr>
-            <a:lvl3pPr marL="685800" indent="0">
-              <a:buNone/>
-              <a:defRPr sz="1350">
+            <a:lvl3pPr marL="822960" indent="0">
+              <a:buNone/>
+              <a:defRPr sz="1620">
                 <a:solidFill>
                   <a:schemeClr val="tx1">
                     <a:tint val="75000"/>
@@ -920,9 +922,9 @@
                 </a:solidFill>
               </a:defRPr>
             </a:lvl3pPr>
-            <a:lvl4pPr marL="1028700" indent="0">
-              <a:buNone/>
-              <a:defRPr sz="1200">
+            <a:lvl4pPr marL="1234440" indent="0">
+              <a:buNone/>
+              <a:defRPr sz="1440">
                 <a:solidFill>
                   <a:schemeClr val="tx1">
                     <a:tint val="75000"/>
@@ -930,9 +932,9 @@
                 </a:solidFill>
               </a:defRPr>
             </a:lvl4pPr>
-            <a:lvl5pPr marL="1371600" indent="0">
-              <a:buNone/>
-              <a:defRPr sz="1200">
+            <a:lvl5pPr marL="1645920" indent="0">
+              <a:buNone/>
+              <a:defRPr sz="1440">
                 <a:solidFill>
                   <a:schemeClr val="tx1">
                     <a:tint val="75000"/>
@@ -940,9 +942,9 @@
                 </a:solidFill>
               </a:defRPr>
             </a:lvl5pPr>
-            <a:lvl6pPr marL="1714500" indent="0">
-              <a:buNone/>
-              <a:defRPr sz="1200">
+            <a:lvl6pPr marL="2057400" indent="0">
+              <a:buNone/>
+              <a:defRPr sz="1440">
                 <a:solidFill>
                   <a:schemeClr val="tx1">
                     <a:tint val="75000"/>
@@ -950,9 +952,9 @@
                 </a:solidFill>
               </a:defRPr>
             </a:lvl6pPr>
-            <a:lvl7pPr marL="2057400" indent="0">
-              <a:buNone/>
-              <a:defRPr sz="1200">
+            <a:lvl7pPr marL="2468880" indent="0">
+              <a:buNone/>
+              <a:defRPr sz="1440">
                 <a:solidFill>
                   <a:schemeClr val="tx1">
                     <a:tint val="75000"/>
@@ -960,9 +962,9 @@
                 </a:solidFill>
               </a:defRPr>
             </a:lvl7pPr>
-            <a:lvl8pPr marL="2400300" indent="0">
-              <a:buNone/>
-              <a:defRPr sz="1200">
+            <a:lvl8pPr marL="2880360" indent="0">
+              <a:buNone/>
+              <a:defRPr sz="1440">
                 <a:solidFill>
                   <a:schemeClr val="tx1">
                     <a:tint val="75000"/>
@@ -970,9 +972,9 @@
                 </a:solidFill>
               </a:defRPr>
             </a:lvl8pPr>
-            <a:lvl9pPr marL="2743200" indent="0">
-              <a:buNone/>
-              <a:defRPr sz="1200">
+            <a:lvl9pPr marL="3291840" indent="0">
+              <a:buNone/>
+              <a:defRPr sz="1440">
                 <a:solidFill>
                   <a:schemeClr val="tx1">
                     <a:tint val="75000"/>
@@ -1005,7 +1007,7 @@
           <a:bodyPr/>
           <a:lstStyle/>
           <a:p>
-            <a:fld id="{401E1E6C-EA39-C04F-8BD7-24F3AA3999CD}" type="datetimeFigureOut">
+            <a:fld id="{36803624-8ED7-D647-A91A-65E33D0C6F14}" type="datetimeFigureOut">
               <a:rPr lang="en-US" smtClean="0"/>
               <a:t>9/11/20</a:t>
             </a:fld>
@@ -1047,7 +1049,7 @@
           <a:bodyPr/>
           <a:lstStyle/>
           <a:p>
-            <a:fld id="{BDE76867-A68E-9544-9830-80F90AD71362}" type="slidenum">
+            <a:fld id="{7768E68F-9CCE-D04E-B982-4C13A5889D00}" type="slidenum">
               <a:rPr lang="en-US" smtClean="0"/>
               <a:t>‹#›</a:t>
             </a:fld>
@@ -1058,7 +1060,7 @@
     </p:spTree>
     <p:extLst>
       <p:ext uri="{BB962C8B-B14F-4D97-AF65-F5344CB8AC3E}">
-        <p14:creationId xmlns:p14="http://schemas.microsoft.com/office/powerpoint/2010/main" val="3801400895"/>
+        <p14:creationId xmlns:p14="http://schemas.microsoft.com/office/powerpoint/2010/main" val="3171160179"/>
       </p:ext>
     </p:extLst>
   </p:cSld>
@@ -1120,8 +1122,8 @@
         </p:nvSpPr>
         <p:spPr>
           <a:xfrm>
-            <a:off x="471488" y="1764771"/>
-            <a:ext cx="2914650" cy="4206293"/>
+            <a:off x="754380" y="1825625"/>
+            <a:ext cx="4663440" cy="4351338"/>
           </a:xfrm>
         </p:spPr>
         <p:txBody>
@@ -1177,8 +1179,8 @@
         </p:nvSpPr>
         <p:spPr>
           <a:xfrm>
-            <a:off x="3471863" y="1764771"/>
-            <a:ext cx="2914650" cy="4206293"/>
+            <a:off x="5554980" y="1825625"/>
+            <a:ext cx="4663440" cy="4351338"/>
           </a:xfrm>
         </p:spPr>
         <p:txBody>
@@ -1237,7 +1239,7 @@
           <a:bodyPr/>
           <a:lstStyle/>
           <a:p>
-            <a:fld id="{401E1E6C-EA39-C04F-8BD7-24F3AA3999CD}" type="datetimeFigureOut">
+            <a:fld id="{36803624-8ED7-D647-A91A-65E33D0C6F14}" type="datetimeFigureOut">
               <a:rPr lang="en-US" smtClean="0"/>
               <a:t>9/11/20</a:t>
             </a:fld>
@@ -1279,7 +1281,7 @@
           <a:bodyPr/>
           <a:lstStyle/>
           <a:p>
-            <a:fld id="{BDE76867-A68E-9544-9830-80F90AD71362}" type="slidenum">
+            <a:fld id="{7768E68F-9CCE-D04E-B982-4C13A5889D00}" type="slidenum">
               <a:rPr lang="en-US" smtClean="0"/>
               <a:t>‹#›</a:t>
             </a:fld>
@@ -1290,7 +1292,7 @@
     </p:spTree>
     <p:extLst>
       <p:ext uri="{BB962C8B-B14F-4D97-AF65-F5344CB8AC3E}">
-        <p14:creationId xmlns:p14="http://schemas.microsoft.com/office/powerpoint/2010/main" val="3614899142"/>
+        <p14:creationId xmlns:p14="http://schemas.microsoft.com/office/powerpoint/2010/main" val="3588191771"/>
       </p:ext>
     </p:extLst>
   </p:cSld>
@@ -1329,8 +1331,8 @@
         </p:nvSpPr>
         <p:spPr>
           <a:xfrm>
-            <a:off x="472381" y="352955"/>
-            <a:ext cx="5915025" cy="1281378"/>
+            <a:off x="755809" y="365126"/>
+            <a:ext cx="9464040" cy="1325563"/>
           </a:xfrm>
         </p:spPr>
         <p:txBody>
@@ -1357,8 +1359,8 @@
         </p:nvSpPr>
         <p:spPr>
           <a:xfrm>
-            <a:off x="472381" y="1625124"/>
-            <a:ext cx="2901255" cy="796448"/>
+            <a:off x="755810" y="1681163"/>
+            <a:ext cx="4642008" cy="823912"/>
           </a:xfrm>
         </p:spPr>
         <p:txBody>
@@ -1366,39 +1368,39 @@
           <a:lstStyle>
             <a:lvl1pPr marL="0" indent="0">
               <a:buNone/>
+              <a:defRPr sz="2160" b="1"/>
+            </a:lvl1pPr>
+            <a:lvl2pPr marL="411480" indent="0">
+              <a:buNone/>
               <a:defRPr sz="1800" b="1"/>
-            </a:lvl1pPr>
-            <a:lvl2pPr marL="342900" indent="0">
-              <a:buNone/>
-              <a:defRPr sz="1500" b="1"/>
             </a:lvl2pPr>
-            <a:lvl3pPr marL="685800" indent="0">
-              <a:buNone/>
-              <a:defRPr sz="1350" b="1"/>
+            <a:lvl3pPr marL="822960" indent="0">
+              <a:buNone/>
+              <a:defRPr sz="1620" b="1"/>
             </a:lvl3pPr>
-            <a:lvl4pPr marL="1028700" indent="0">
-              <a:buNone/>
-              <a:defRPr sz="1200" b="1"/>
+            <a:lvl4pPr marL="1234440" indent="0">
+              <a:buNone/>
+              <a:defRPr sz="1440" b="1"/>
             </a:lvl4pPr>
-            <a:lvl5pPr marL="1371600" indent="0">
-              <a:buNone/>
-              <a:defRPr sz="1200" b="1"/>
+            <a:lvl5pPr marL="1645920" indent="0">
+              <a:buNone/>
+              <a:defRPr sz="1440" b="1"/>
             </a:lvl5pPr>
-            <a:lvl6pPr marL="1714500" indent="0">
-              <a:buNone/>
-              <a:defRPr sz="1200" b="1"/>
+            <a:lvl6pPr marL="2057400" indent="0">
+              <a:buNone/>
+              <a:defRPr sz="1440" b="1"/>
             </a:lvl6pPr>
-            <a:lvl7pPr marL="2057400" indent="0">
-              <a:buNone/>
-              <a:defRPr sz="1200" b="1"/>
+            <a:lvl7pPr marL="2468880" indent="0">
+              <a:buNone/>
+              <a:defRPr sz="1440" b="1"/>
             </a:lvl7pPr>
-            <a:lvl8pPr marL="2400300" indent="0">
-              <a:buNone/>
-              <a:defRPr sz="1200" b="1"/>
+            <a:lvl8pPr marL="2880360" indent="0">
+              <a:buNone/>
+              <a:defRPr sz="1440" b="1"/>
             </a:lvl8pPr>
-            <a:lvl9pPr marL="2743200" indent="0">
-              <a:buNone/>
-              <a:defRPr sz="1200" b="1"/>
+            <a:lvl9pPr marL="3291840" indent="0">
+              <a:buNone/>
+              <a:defRPr sz="1440" b="1"/>
             </a:lvl9pPr>
           </a:lstStyle>
           <a:p>
@@ -1422,8 +1424,8 @@
         </p:nvSpPr>
         <p:spPr>
           <a:xfrm>
-            <a:off x="472381" y="2421573"/>
-            <a:ext cx="2901255" cy="3561768"/>
+            <a:off x="755810" y="2505075"/>
+            <a:ext cx="4642008" cy="3684588"/>
           </a:xfrm>
         </p:spPr>
         <p:txBody>
@@ -1479,8 +1481,8 @@
         </p:nvSpPr>
         <p:spPr>
           <a:xfrm>
-            <a:off x="3471863" y="1625124"/>
-            <a:ext cx="2915543" cy="796448"/>
+            <a:off x="5554980" y="1681163"/>
+            <a:ext cx="4664869" cy="823912"/>
           </a:xfrm>
         </p:spPr>
         <p:txBody>
@@ -1488,39 +1490,39 @@
           <a:lstStyle>
             <a:lvl1pPr marL="0" indent="0">
               <a:buNone/>
+              <a:defRPr sz="2160" b="1"/>
+            </a:lvl1pPr>
+            <a:lvl2pPr marL="411480" indent="0">
+              <a:buNone/>
               <a:defRPr sz="1800" b="1"/>
-            </a:lvl1pPr>
-            <a:lvl2pPr marL="342900" indent="0">
-              <a:buNone/>
-              <a:defRPr sz="1500" b="1"/>
             </a:lvl2pPr>
-            <a:lvl3pPr marL="685800" indent="0">
-              <a:buNone/>
-              <a:defRPr sz="1350" b="1"/>
+            <a:lvl3pPr marL="822960" indent="0">
+              <a:buNone/>
+              <a:defRPr sz="1620" b="1"/>
             </a:lvl3pPr>
-            <a:lvl4pPr marL="1028700" indent="0">
-              <a:buNone/>
-              <a:defRPr sz="1200" b="1"/>
+            <a:lvl4pPr marL="1234440" indent="0">
+              <a:buNone/>
+              <a:defRPr sz="1440" b="1"/>
             </a:lvl4pPr>
-            <a:lvl5pPr marL="1371600" indent="0">
-              <a:buNone/>
-              <a:defRPr sz="1200" b="1"/>
+            <a:lvl5pPr marL="1645920" indent="0">
+              <a:buNone/>
+              <a:defRPr sz="1440" b="1"/>
             </a:lvl5pPr>
-            <a:lvl6pPr marL="1714500" indent="0">
-              <a:buNone/>
-              <a:defRPr sz="1200" b="1"/>
+            <a:lvl6pPr marL="2057400" indent="0">
+              <a:buNone/>
+              <a:defRPr sz="1440" b="1"/>
             </a:lvl6pPr>
-            <a:lvl7pPr marL="2057400" indent="0">
-              <a:buNone/>
-              <a:defRPr sz="1200" b="1"/>
+            <a:lvl7pPr marL="2468880" indent="0">
+              <a:buNone/>
+              <a:defRPr sz="1440" b="1"/>
             </a:lvl7pPr>
-            <a:lvl8pPr marL="2400300" indent="0">
-              <a:buNone/>
-              <a:defRPr sz="1200" b="1"/>
+            <a:lvl8pPr marL="2880360" indent="0">
+              <a:buNone/>
+              <a:defRPr sz="1440" b="1"/>
             </a:lvl8pPr>
-            <a:lvl9pPr marL="2743200" indent="0">
-              <a:buNone/>
-              <a:defRPr sz="1200" b="1"/>
+            <a:lvl9pPr marL="3291840" indent="0">
+              <a:buNone/>
+              <a:defRPr sz="1440" b="1"/>
             </a:lvl9pPr>
           </a:lstStyle>
           <a:p>
@@ -1544,8 +1546,8 @@
         </p:nvSpPr>
         <p:spPr>
           <a:xfrm>
-            <a:off x="3471863" y="2421573"/>
-            <a:ext cx="2915543" cy="3561768"/>
+            <a:off x="5554980" y="2505075"/>
+            <a:ext cx="4664869" cy="3684588"/>
           </a:xfrm>
         </p:spPr>
         <p:txBody>
@@ -1604,7 +1606,7 @@
           <a:bodyPr/>
           <a:lstStyle/>
           <a:p>
-            <a:fld id="{401E1E6C-EA39-C04F-8BD7-24F3AA3999CD}" type="datetimeFigureOut">
+            <a:fld id="{36803624-8ED7-D647-A91A-65E33D0C6F14}" type="datetimeFigureOut">
               <a:rPr lang="en-US" smtClean="0"/>
               <a:t>9/11/20</a:t>
             </a:fld>
@@ -1646,7 +1648,7 @@
           <a:bodyPr/>
           <a:lstStyle/>
           <a:p>
-            <a:fld id="{BDE76867-A68E-9544-9830-80F90AD71362}" type="slidenum">
+            <a:fld id="{7768E68F-9CCE-D04E-B982-4C13A5889D00}" type="slidenum">
               <a:rPr lang="en-US" smtClean="0"/>
               <a:t>‹#›</a:t>
             </a:fld>
@@ -1657,7 +1659,7 @@
     </p:spTree>
     <p:extLst>
       <p:ext uri="{BB962C8B-B14F-4D97-AF65-F5344CB8AC3E}">
-        <p14:creationId xmlns:p14="http://schemas.microsoft.com/office/powerpoint/2010/main" val="2878305486"/>
+        <p14:creationId xmlns:p14="http://schemas.microsoft.com/office/powerpoint/2010/main" val="3464942794"/>
       </p:ext>
     </p:extLst>
   </p:cSld>
@@ -1722,7 +1724,7 @@
           <a:bodyPr/>
           <a:lstStyle/>
           <a:p>
-            <a:fld id="{401E1E6C-EA39-C04F-8BD7-24F3AA3999CD}" type="datetimeFigureOut">
+            <a:fld id="{36803624-8ED7-D647-A91A-65E33D0C6F14}" type="datetimeFigureOut">
               <a:rPr lang="en-US" smtClean="0"/>
               <a:t>9/11/20</a:t>
             </a:fld>
@@ -1764,7 +1766,7 @@
           <a:bodyPr/>
           <a:lstStyle/>
           <a:p>
-            <a:fld id="{BDE76867-A68E-9544-9830-80F90AD71362}" type="slidenum">
+            <a:fld id="{7768E68F-9CCE-D04E-B982-4C13A5889D00}" type="slidenum">
               <a:rPr lang="en-US" smtClean="0"/>
               <a:t>‹#›</a:t>
             </a:fld>
@@ -1775,7 +1777,7 @@
     </p:spTree>
     <p:extLst>
       <p:ext uri="{BB962C8B-B14F-4D97-AF65-F5344CB8AC3E}">
-        <p14:creationId xmlns:p14="http://schemas.microsoft.com/office/powerpoint/2010/main" val="3775287965"/>
+        <p14:creationId xmlns:p14="http://schemas.microsoft.com/office/powerpoint/2010/main" val="2319234470"/>
       </p:ext>
     </p:extLst>
   </p:cSld>
@@ -1817,7 +1819,7 @@
           <a:bodyPr/>
           <a:lstStyle/>
           <a:p>
-            <a:fld id="{401E1E6C-EA39-C04F-8BD7-24F3AA3999CD}" type="datetimeFigureOut">
+            <a:fld id="{36803624-8ED7-D647-A91A-65E33D0C6F14}" type="datetimeFigureOut">
               <a:rPr lang="en-US" smtClean="0"/>
               <a:t>9/11/20</a:t>
             </a:fld>
@@ -1859,7 +1861,7 @@
           <a:bodyPr/>
           <a:lstStyle/>
           <a:p>
-            <a:fld id="{BDE76867-A68E-9544-9830-80F90AD71362}" type="slidenum">
+            <a:fld id="{7768E68F-9CCE-D04E-B982-4C13A5889D00}" type="slidenum">
               <a:rPr lang="en-US" smtClean="0"/>
               <a:t>‹#›</a:t>
             </a:fld>
@@ -1870,7 +1872,7 @@
     </p:spTree>
     <p:extLst>
       <p:ext uri="{BB962C8B-B14F-4D97-AF65-F5344CB8AC3E}">
-        <p14:creationId xmlns:p14="http://schemas.microsoft.com/office/powerpoint/2010/main" val="3810562965"/>
+        <p14:creationId xmlns:p14="http://schemas.microsoft.com/office/powerpoint/2010/main" val="244505916"/>
       </p:ext>
     </p:extLst>
   </p:cSld>
@@ -1909,15 +1911,15 @@
         </p:nvSpPr>
         <p:spPr>
           <a:xfrm>
-            <a:off x="472381" y="441960"/>
-            <a:ext cx="2211884" cy="1546860"/>
+            <a:off x="755810" y="457200"/>
+            <a:ext cx="3539013" cy="1600200"/>
           </a:xfrm>
         </p:spPr>
         <p:txBody>
           <a:bodyPr anchor="b"/>
           <a:lstStyle>
             <a:lvl1pPr>
-              <a:defRPr sz="2400"/>
+              <a:defRPr sz="2880"/>
             </a:lvl1pPr>
           </a:lstStyle>
           <a:p>
@@ -1941,39 +1943,39 @@
         </p:nvSpPr>
         <p:spPr>
           <a:xfrm>
-            <a:off x="2915543" y="954512"/>
-            <a:ext cx="3471863" cy="4711171"/>
+            <a:off x="4664869" y="987426"/>
+            <a:ext cx="5554980" cy="4873625"/>
           </a:xfrm>
         </p:spPr>
         <p:txBody>
           <a:bodyPr/>
           <a:lstStyle>
             <a:lvl1pPr>
-              <a:defRPr sz="2400"/>
+              <a:defRPr sz="2880"/>
             </a:lvl1pPr>
             <a:lvl2pPr>
-              <a:defRPr sz="2100"/>
+              <a:defRPr sz="2520"/>
             </a:lvl2pPr>
             <a:lvl3pPr>
-              <a:defRPr sz="1800"/>
+              <a:defRPr sz="2160"/>
             </a:lvl3pPr>
             <a:lvl4pPr>
-              <a:defRPr sz="1500"/>
+              <a:defRPr sz="1800"/>
             </a:lvl4pPr>
             <a:lvl5pPr>
-              <a:defRPr sz="1500"/>
+              <a:defRPr sz="1800"/>
             </a:lvl5pPr>
             <a:lvl6pPr>
-              <a:defRPr sz="1500"/>
+              <a:defRPr sz="1800"/>
             </a:lvl6pPr>
             <a:lvl7pPr>
-              <a:defRPr sz="1500"/>
+              <a:defRPr sz="1800"/>
             </a:lvl7pPr>
             <a:lvl8pPr>
-              <a:defRPr sz="1500"/>
+              <a:defRPr sz="1800"/>
             </a:lvl8pPr>
             <a:lvl9pPr>
-              <a:defRPr sz="1500"/>
+              <a:defRPr sz="1800"/>
             </a:lvl9pPr>
           </a:lstStyle>
           <a:p>
@@ -2026,8 +2028,8 @@
         </p:nvSpPr>
         <p:spPr>
           <a:xfrm>
-            <a:off x="472381" y="1988820"/>
-            <a:ext cx="2211884" cy="3684535"/>
+            <a:off x="755810" y="2057400"/>
+            <a:ext cx="3539013" cy="3811588"/>
           </a:xfrm>
         </p:spPr>
         <p:txBody>
@@ -2035,39 +2037,39 @@
           <a:lstStyle>
             <a:lvl1pPr marL="0" indent="0">
               <a:buNone/>
-              <a:defRPr sz="1200"/>
+              <a:defRPr sz="1440"/>
             </a:lvl1pPr>
-            <a:lvl2pPr marL="342900" indent="0">
-              <a:buNone/>
-              <a:defRPr sz="1050"/>
+            <a:lvl2pPr marL="411480" indent="0">
+              <a:buNone/>
+              <a:defRPr sz="1260"/>
             </a:lvl2pPr>
-            <a:lvl3pPr marL="685800" indent="0">
+            <a:lvl3pPr marL="822960" indent="0">
+              <a:buNone/>
+              <a:defRPr sz="1080"/>
+            </a:lvl3pPr>
+            <a:lvl4pPr marL="1234440" indent="0">
               <a:buNone/>
               <a:defRPr sz="900"/>
-            </a:lvl3pPr>
-            <a:lvl4pPr marL="1028700" indent="0">
-              <a:buNone/>
-              <a:defRPr sz="750"/>
             </a:lvl4pPr>
-            <a:lvl5pPr marL="1371600" indent="0">
-              <a:buNone/>
-              <a:defRPr sz="750"/>
+            <a:lvl5pPr marL="1645920" indent="0">
+              <a:buNone/>
+              <a:defRPr sz="900"/>
             </a:lvl5pPr>
-            <a:lvl6pPr marL="1714500" indent="0">
-              <a:buNone/>
-              <a:defRPr sz="750"/>
+            <a:lvl6pPr marL="2057400" indent="0">
+              <a:buNone/>
+              <a:defRPr sz="900"/>
             </a:lvl6pPr>
-            <a:lvl7pPr marL="2057400" indent="0">
-              <a:buNone/>
-              <a:defRPr sz="750"/>
+            <a:lvl7pPr marL="2468880" indent="0">
+              <a:buNone/>
+              <a:defRPr sz="900"/>
             </a:lvl7pPr>
-            <a:lvl8pPr marL="2400300" indent="0">
-              <a:buNone/>
-              <a:defRPr sz="750"/>
+            <a:lvl8pPr marL="2880360" indent="0">
+              <a:buNone/>
+              <a:defRPr sz="900"/>
             </a:lvl8pPr>
-            <a:lvl9pPr marL="2743200" indent="0">
-              <a:buNone/>
-              <a:defRPr sz="750"/>
+            <a:lvl9pPr marL="3291840" indent="0">
+              <a:buNone/>
+              <a:defRPr sz="900"/>
             </a:lvl9pPr>
           </a:lstStyle>
           <a:p>
@@ -2094,7 +2096,7 @@
           <a:bodyPr/>
           <a:lstStyle/>
           <a:p>
-            <a:fld id="{401E1E6C-EA39-C04F-8BD7-24F3AA3999CD}" type="datetimeFigureOut">
+            <a:fld id="{36803624-8ED7-D647-A91A-65E33D0C6F14}" type="datetimeFigureOut">
               <a:rPr lang="en-US" smtClean="0"/>
               <a:t>9/11/20</a:t>
             </a:fld>
@@ -2136,7 +2138,7 @@
           <a:bodyPr/>
           <a:lstStyle/>
           <a:p>
-            <a:fld id="{BDE76867-A68E-9544-9830-80F90AD71362}" type="slidenum">
+            <a:fld id="{7768E68F-9CCE-D04E-B982-4C13A5889D00}" type="slidenum">
               <a:rPr lang="en-US" smtClean="0"/>
               <a:t>‹#›</a:t>
             </a:fld>
@@ -2147,7 +2149,7 @@
     </p:spTree>
     <p:extLst>
       <p:ext uri="{BB962C8B-B14F-4D97-AF65-F5344CB8AC3E}">
-        <p14:creationId xmlns:p14="http://schemas.microsoft.com/office/powerpoint/2010/main" val="113540754"/>
+        <p14:creationId xmlns:p14="http://schemas.microsoft.com/office/powerpoint/2010/main" val="2934241673"/>
       </p:ext>
     </p:extLst>
   </p:cSld>
@@ -2186,15 +2188,15 @@
         </p:nvSpPr>
         <p:spPr>
           <a:xfrm>
-            <a:off x="472381" y="441960"/>
-            <a:ext cx="2211884" cy="1546860"/>
+            <a:off x="755810" y="457200"/>
+            <a:ext cx="3539013" cy="1600200"/>
           </a:xfrm>
         </p:spPr>
         <p:txBody>
           <a:bodyPr anchor="b"/>
           <a:lstStyle>
             <a:lvl1pPr>
-              <a:defRPr sz="2400"/>
+              <a:defRPr sz="2880"/>
             </a:lvl1pPr>
           </a:lstStyle>
           <a:p>
@@ -2218,8 +2220,8 @@
         </p:nvSpPr>
         <p:spPr>
           <a:xfrm>
-            <a:off x="2915543" y="954512"/>
-            <a:ext cx="3471863" cy="4711171"/>
+            <a:off x="4664869" y="987426"/>
+            <a:ext cx="5554980" cy="4873625"/>
           </a:xfrm>
         </p:spPr>
         <p:txBody>
@@ -2227,39 +2229,39 @@
           <a:lstStyle>
             <a:lvl1pPr marL="0" indent="0">
               <a:buNone/>
-              <a:defRPr sz="2400"/>
+              <a:defRPr sz="2880"/>
             </a:lvl1pPr>
-            <a:lvl2pPr marL="342900" indent="0">
-              <a:buNone/>
-              <a:defRPr sz="2100"/>
+            <a:lvl2pPr marL="411480" indent="0">
+              <a:buNone/>
+              <a:defRPr sz="2520"/>
             </a:lvl2pPr>
-            <a:lvl3pPr marL="685800" indent="0">
+            <a:lvl3pPr marL="822960" indent="0">
+              <a:buNone/>
+              <a:defRPr sz="2160"/>
+            </a:lvl3pPr>
+            <a:lvl4pPr marL="1234440" indent="0">
               <a:buNone/>
               <a:defRPr sz="1800"/>
-            </a:lvl3pPr>
-            <a:lvl4pPr marL="1028700" indent="0">
-              <a:buNone/>
-              <a:defRPr sz="1500"/>
             </a:lvl4pPr>
-            <a:lvl5pPr marL="1371600" indent="0">
-              <a:buNone/>
-              <a:defRPr sz="1500"/>
+            <a:lvl5pPr marL="1645920" indent="0">
+              <a:buNone/>
+              <a:defRPr sz="1800"/>
             </a:lvl5pPr>
-            <a:lvl6pPr marL="1714500" indent="0">
-              <a:buNone/>
-              <a:defRPr sz="1500"/>
+            <a:lvl6pPr marL="2057400" indent="0">
+              <a:buNone/>
+              <a:defRPr sz="1800"/>
             </a:lvl6pPr>
-            <a:lvl7pPr marL="2057400" indent="0">
-              <a:buNone/>
-              <a:defRPr sz="1500"/>
+            <a:lvl7pPr marL="2468880" indent="0">
+              <a:buNone/>
+              <a:defRPr sz="1800"/>
             </a:lvl7pPr>
-            <a:lvl8pPr marL="2400300" indent="0">
-              <a:buNone/>
-              <a:defRPr sz="1500"/>
+            <a:lvl8pPr marL="2880360" indent="0">
+              <a:buNone/>
+              <a:defRPr sz="1800"/>
             </a:lvl8pPr>
-            <a:lvl9pPr marL="2743200" indent="0">
-              <a:buNone/>
-              <a:defRPr sz="1500"/>
+            <a:lvl9pPr marL="3291840" indent="0">
+              <a:buNone/>
+              <a:defRPr sz="1800"/>
             </a:lvl9pPr>
           </a:lstStyle>
           <a:p>
@@ -2283,8 +2285,8 @@
         </p:nvSpPr>
         <p:spPr>
           <a:xfrm>
-            <a:off x="472381" y="1988820"/>
-            <a:ext cx="2211884" cy="3684535"/>
+            <a:off x="755810" y="2057400"/>
+            <a:ext cx="3539013" cy="3811588"/>
           </a:xfrm>
         </p:spPr>
         <p:txBody>
@@ -2292,39 +2294,39 @@
           <a:lstStyle>
             <a:lvl1pPr marL="0" indent="0">
               <a:buNone/>
-              <a:defRPr sz="1200"/>
+              <a:defRPr sz="1440"/>
             </a:lvl1pPr>
-            <a:lvl2pPr marL="342900" indent="0">
-              <a:buNone/>
-              <a:defRPr sz="1050"/>
+            <a:lvl2pPr marL="411480" indent="0">
+              <a:buNone/>
+              <a:defRPr sz="1260"/>
             </a:lvl2pPr>
-            <a:lvl3pPr marL="685800" indent="0">
+            <a:lvl3pPr marL="822960" indent="0">
+              <a:buNone/>
+              <a:defRPr sz="1080"/>
+            </a:lvl3pPr>
+            <a:lvl4pPr marL="1234440" indent="0">
               <a:buNone/>
               <a:defRPr sz="900"/>
-            </a:lvl3pPr>
-            <a:lvl4pPr marL="1028700" indent="0">
-              <a:buNone/>
-              <a:defRPr sz="750"/>
             </a:lvl4pPr>
-            <a:lvl5pPr marL="1371600" indent="0">
-              <a:buNone/>
-              <a:defRPr sz="750"/>
+            <a:lvl5pPr marL="1645920" indent="0">
+              <a:buNone/>
+              <a:defRPr sz="900"/>
             </a:lvl5pPr>
-            <a:lvl6pPr marL="1714500" indent="0">
-              <a:buNone/>
-              <a:defRPr sz="750"/>
+            <a:lvl6pPr marL="2057400" indent="0">
+              <a:buNone/>
+              <a:defRPr sz="900"/>
             </a:lvl6pPr>
-            <a:lvl7pPr marL="2057400" indent="0">
-              <a:buNone/>
-              <a:defRPr sz="750"/>
+            <a:lvl7pPr marL="2468880" indent="0">
+              <a:buNone/>
+              <a:defRPr sz="900"/>
             </a:lvl7pPr>
-            <a:lvl8pPr marL="2400300" indent="0">
-              <a:buNone/>
-              <a:defRPr sz="750"/>
+            <a:lvl8pPr marL="2880360" indent="0">
+              <a:buNone/>
+              <a:defRPr sz="900"/>
             </a:lvl8pPr>
-            <a:lvl9pPr marL="2743200" indent="0">
-              <a:buNone/>
-              <a:defRPr sz="750"/>
+            <a:lvl9pPr marL="3291840" indent="0">
+              <a:buNone/>
+              <a:defRPr sz="900"/>
             </a:lvl9pPr>
           </a:lstStyle>
           <a:p>
@@ -2351,7 +2353,7 @@
           <a:bodyPr/>
           <a:lstStyle/>
           <a:p>
-            <a:fld id="{401E1E6C-EA39-C04F-8BD7-24F3AA3999CD}" type="datetimeFigureOut">
+            <a:fld id="{36803624-8ED7-D647-A91A-65E33D0C6F14}" type="datetimeFigureOut">
               <a:rPr lang="en-US" smtClean="0"/>
               <a:t>9/11/20</a:t>
             </a:fld>
@@ -2393,7 +2395,7 @@
           <a:bodyPr/>
           <a:lstStyle/>
           <a:p>
-            <a:fld id="{BDE76867-A68E-9544-9830-80F90AD71362}" type="slidenum">
+            <a:fld id="{7768E68F-9CCE-D04E-B982-4C13A5889D00}" type="slidenum">
               <a:rPr lang="en-US" smtClean="0"/>
               <a:t>‹#›</a:t>
             </a:fld>
@@ -2404,7 +2406,7 @@
     </p:spTree>
     <p:extLst>
       <p:ext uri="{BB962C8B-B14F-4D97-AF65-F5344CB8AC3E}">
-        <p14:creationId xmlns:p14="http://schemas.microsoft.com/office/powerpoint/2010/main" val="3380703074"/>
+        <p14:creationId xmlns:p14="http://schemas.microsoft.com/office/powerpoint/2010/main" val="2786882988"/>
       </p:ext>
     </p:extLst>
   </p:cSld>
@@ -2448,8 +2450,8 @@
         </p:nvSpPr>
         <p:spPr>
           <a:xfrm>
-            <a:off x="471488" y="352955"/>
-            <a:ext cx="5915025" cy="1281378"/>
+            <a:off x="754380" y="365126"/>
+            <a:ext cx="9464040" cy="1325563"/>
           </a:xfrm>
           <a:prstGeom prst="rect">
             <a:avLst/>
@@ -2481,8 +2483,8 @@
         </p:nvSpPr>
         <p:spPr>
           <a:xfrm>
-            <a:off x="471488" y="1764771"/>
-            <a:ext cx="5915025" cy="4206293"/>
+            <a:off x="754380" y="1825625"/>
+            <a:ext cx="9464040" cy="4351338"/>
           </a:xfrm>
           <a:prstGeom prst="rect">
             <a:avLst/>
@@ -2543,8 +2545,8 @@
         </p:nvSpPr>
         <p:spPr>
           <a:xfrm>
-            <a:off x="471488" y="6144473"/>
-            <a:ext cx="1543050" cy="352954"/>
+            <a:off x="754380" y="6356351"/>
+            <a:ext cx="2468880" cy="365125"/>
           </a:xfrm>
           <a:prstGeom prst="rect">
             <a:avLst/>
@@ -2554,7 +2556,7 @@
           <a:bodyPr vert="horz" lIns="91440" tIns="45720" rIns="91440" bIns="45720" rtlCol="0" anchor="ctr"/>
           <a:lstStyle>
             <a:lvl1pPr algn="l">
-              <a:defRPr sz="900">
+              <a:defRPr sz="1080">
                 <a:solidFill>
                   <a:schemeClr val="tx1">
                     <a:tint val="75000"/>
@@ -2564,7 +2566,7 @@
             </a:lvl1pPr>
           </a:lstStyle>
           <a:p>
-            <a:fld id="{401E1E6C-EA39-C04F-8BD7-24F3AA3999CD}" type="datetimeFigureOut">
+            <a:fld id="{36803624-8ED7-D647-A91A-65E33D0C6F14}" type="datetimeFigureOut">
               <a:rPr lang="en-US" smtClean="0"/>
               <a:t>9/11/20</a:t>
             </a:fld>
@@ -2584,8 +2586,8 @@
         </p:nvSpPr>
         <p:spPr>
           <a:xfrm>
-            <a:off x="2271713" y="6144473"/>
-            <a:ext cx="2314575" cy="352954"/>
+            <a:off x="3634740" y="6356351"/>
+            <a:ext cx="3703320" cy="365125"/>
           </a:xfrm>
           <a:prstGeom prst="rect">
             <a:avLst/>
@@ -2595,7 +2597,7 @@
           <a:bodyPr vert="horz" lIns="91440" tIns="45720" rIns="91440" bIns="45720" rtlCol="0" anchor="ctr"/>
           <a:lstStyle>
             <a:lvl1pPr algn="ctr">
-              <a:defRPr sz="900">
+              <a:defRPr sz="1080">
                 <a:solidFill>
                   <a:schemeClr val="tx1">
                     <a:tint val="75000"/>
@@ -2621,8 +2623,8 @@
         </p:nvSpPr>
         <p:spPr>
           <a:xfrm>
-            <a:off x="4843463" y="6144473"/>
-            <a:ext cx="1543050" cy="352954"/>
+            <a:off x="7749540" y="6356351"/>
+            <a:ext cx="2468880" cy="365125"/>
           </a:xfrm>
           <a:prstGeom prst="rect">
             <a:avLst/>
@@ -2632,7 +2634,7 @@
           <a:bodyPr vert="horz" lIns="91440" tIns="45720" rIns="91440" bIns="45720" rtlCol="0" anchor="ctr"/>
           <a:lstStyle>
             <a:lvl1pPr algn="r">
-              <a:defRPr sz="900">
+              <a:defRPr sz="1080">
                 <a:solidFill>
                   <a:schemeClr val="tx1">
                     <a:tint val="75000"/>
@@ -2642,7 +2644,7 @@
             </a:lvl1pPr>
           </a:lstStyle>
           <a:p>
-            <a:fld id="{BDE76867-A68E-9544-9830-80F90AD71362}" type="slidenum">
+            <a:fld id="{7768E68F-9CCE-D04E-B982-4C13A5889D00}" type="slidenum">
               <a:rPr lang="en-US" smtClean="0"/>
               <a:t>‹#›</a:t>
             </a:fld>
@@ -2653,7 +2655,7 @@
     </p:spTree>
     <p:extLst>
       <p:ext uri="{BB962C8B-B14F-4D97-AF65-F5344CB8AC3E}">
-        <p14:creationId xmlns:p14="http://schemas.microsoft.com/office/powerpoint/2010/main" val="843146705"/>
+        <p14:creationId xmlns:p14="http://schemas.microsoft.com/office/powerpoint/2010/main" val="3147967412"/>
       </p:ext>
     </p:extLst>
   </p:cSld>
@@ -2673,7 +2675,7 @@
   </p:sldLayoutIdLst>
   <p:txStyles>
     <p:titleStyle>
-      <a:lvl1pPr algn="l" defTabSz="685800" rtl="0" eaLnBrk="1" latinLnBrk="0" hangingPunct="1">
+      <a:lvl1pPr algn="l" defTabSz="822960" rtl="0" eaLnBrk="1" latinLnBrk="0" hangingPunct="1">
         <a:lnSpc>
           <a:spcPct val="90000"/>
         </a:lnSpc>
@@ -2681,7 +2683,7 @@
           <a:spcPct val="0"/>
         </a:spcBef>
         <a:buNone/>
-        <a:defRPr sz="3300" kern="1200">
+        <a:defRPr sz="3960" kern="1200">
           <a:solidFill>
             <a:schemeClr val="tx1"/>
           </a:solidFill>
@@ -2692,16 +2694,16 @@
       </a:lvl1pPr>
     </p:titleStyle>
     <p:bodyStyle>
-      <a:lvl1pPr marL="171450" indent="-171450" algn="l" defTabSz="685800" rtl="0" eaLnBrk="1" latinLnBrk="0" hangingPunct="1">
+      <a:lvl1pPr marL="205740" indent="-205740" algn="l" defTabSz="822960" rtl="0" eaLnBrk="1" latinLnBrk="0" hangingPunct="1">
         <a:lnSpc>
           <a:spcPct val="90000"/>
         </a:lnSpc>
         <a:spcBef>
-          <a:spcPts val="750"/>
+          <a:spcPts val="900"/>
         </a:spcBef>
         <a:buFont typeface="Arial" panose="020B0604020202020204" pitchFamily="34" charset="0"/>
         <a:buChar char="•"/>
-        <a:defRPr sz="2100" kern="1200">
+        <a:defRPr sz="2520" kern="1200">
           <a:solidFill>
             <a:schemeClr val="tx1"/>
           </a:solidFill>
@@ -2710,12 +2712,30 @@
           <a:cs typeface="+mn-cs"/>
         </a:defRPr>
       </a:lvl1pPr>
-      <a:lvl2pPr marL="514350" indent="-171450" algn="l" defTabSz="685800" rtl="0" eaLnBrk="1" latinLnBrk="0" hangingPunct="1">
+      <a:lvl2pPr marL="617220" indent="-205740" algn="l" defTabSz="822960" rtl="0" eaLnBrk="1" latinLnBrk="0" hangingPunct="1">
         <a:lnSpc>
           <a:spcPct val="90000"/>
         </a:lnSpc>
         <a:spcBef>
-          <a:spcPts val="375"/>
+          <a:spcPts val="450"/>
+        </a:spcBef>
+        <a:buFont typeface="Arial" panose="020B0604020202020204" pitchFamily="34" charset="0"/>
+        <a:buChar char="•"/>
+        <a:defRPr sz="2160" kern="1200">
+          <a:solidFill>
+            <a:schemeClr val="tx1"/>
+          </a:solidFill>
+          <a:latin typeface="+mn-lt"/>
+          <a:ea typeface="+mn-ea"/>
+          <a:cs typeface="+mn-cs"/>
+        </a:defRPr>
+      </a:lvl2pPr>
+      <a:lvl3pPr marL="1028700" indent="-205740" algn="l" defTabSz="822960" rtl="0" eaLnBrk="1" latinLnBrk="0" hangingPunct="1">
+        <a:lnSpc>
+          <a:spcPct val="90000"/>
+        </a:lnSpc>
+        <a:spcBef>
+          <a:spcPts val="450"/>
         </a:spcBef>
         <a:buFont typeface="Arial" panose="020B0604020202020204" pitchFamily="34" charset="0"/>
         <a:buChar char="•"/>
@@ -2727,35 +2747,17 @@
           <a:ea typeface="+mn-ea"/>
           <a:cs typeface="+mn-cs"/>
         </a:defRPr>
-      </a:lvl2pPr>
-      <a:lvl3pPr marL="857250" indent="-171450" algn="l" defTabSz="685800" rtl="0" eaLnBrk="1" latinLnBrk="0" hangingPunct="1">
+      </a:lvl3pPr>
+      <a:lvl4pPr marL="1440180" indent="-205740" algn="l" defTabSz="822960" rtl="0" eaLnBrk="1" latinLnBrk="0" hangingPunct="1">
         <a:lnSpc>
           <a:spcPct val="90000"/>
         </a:lnSpc>
         <a:spcBef>
-          <a:spcPts val="375"/>
+          <a:spcPts val="450"/>
         </a:spcBef>
         <a:buFont typeface="Arial" panose="020B0604020202020204" pitchFamily="34" charset="0"/>
         <a:buChar char="•"/>
-        <a:defRPr sz="1500" kern="1200">
-          <a:solidFill>
-            <a:schemeClr val="tx1"/>
-          </a:solidFill>
-          <a:latin typeface="+mn-lt"/>
-          <a:ea typeface="+mn-ea"/>
-          <a:cs typeface="+mn-cs"/>
-        </a:defRPr>
-      </a:lvl3pPr>
-      <a:lvl4pPr marL="1200150" indent="-171450" algn="l" defTabSz="685800" rtl="0" eaLnBrk="1" latinLnBrk="0" hangingPunct="1">
-        <a:lnSpc>
-          <a:spcPct val="90000"/>
-        </a:lnSpc>
-        <a:spcBef>
-          <a:spcPts val="375"/>
-        </a:spcBef>
-        <a:buFont typeface="Arial" panose="020B0604020202020204" pitchFamily="34" charset="0"/>
-        <a:buChar char="•"/>
-        <a:defRPr sz="1350" kern="1200">
+        <a:defRPr sz="1620" kern="1200">
           <a:solidFill>
             <a:schemeClr val="tx1"/>
           </a:solidFill>
@@ -2764,16 +2766,16 @@
           <a:cs typeface="+mn-cs"/>
         </a:defRPr>
       </a:lvl4pPr>
-      <a:lvl5pPr marL="1543050" indent="-171450" algn="l" defTabSz="685800" rtl="0" eaLnBrk="1" latinLnBrk="0" hangingPunct="1">
+      <a:lvl5pPr marL="1851660" indent="-205740" algn="l" defTabSz="822960" rtl="0" eaLnBrk="1" latinLnBrk="0" hangingPunct="1">
         <a:lnSpc>
           <a:spcPct val="90000"/>
         </a:lnSpc>
         <a:spcBef>
-          <a:spcPts val="375"/>
+          <a:spcPts val="450"/>
         </a:spcBef>
         <a:buFont typeface="Arial" panose="020B0604020202020204" pitchFamily="34" charset="0"/>
         <a:buChar char="•"/>
-        <a:defRPr sz="1350" kern="1200">
+        <a:defRPr sz="1620" kern="1200">
           <a:solidFill>
             <a:schemeClr val="tx1"/>
           </a:solidFill>
@@ -2782,16 +2784,16 @@
           <a:cs typeface="+mn-cs"/>
         </a:defRPr>
       </a:lvl5pPr>
-      <a:lvl6pPr marL="1885950" indent="-171450" algn="l" defTabSz="685800" rtl="0" eaLnBrk="1" latinLnBrk="0" hangingPunct="1">
+      <a:lvl6pPr marL="2263140" indent="-205740" algn="l" defTabSz="822960" rtl="0" eaLnBrk="1" latinLnBrk="0" hangingPunct="1">
         <a:lnSpc>
           <a:spcPct val="90000"/>
         </a:lnSpc>
         <a:spcBef>
-          <a:spcPts val="375"/>
+          <a:spcPts val="450"/>
         </a:spcBef>
         <a:buFont typeface="Arial" panose="020B0604020202020204" pitchFamily="34" charset="0"/>
         <a:buChar char="•"/>
-        <a:defRPr sz="1350" kern="1200">
+        <a:defRPr sz="1620" kern="1200">
           <a:solidFill>
             <a:schemeClr val="tx1"/>
           </a:solidFill>
@@ -2800,16 +2802,16 @@
           <a:cs typeface="+mn-cs"/>
         </a:defRPr>
       </a:lvl6pPr>
-      <a:lvl7pPr marL="2228850" indent="-171450" algn="l" defTabSz="685800" rtl="0" eaLnBrk="1" latinLnBrk="0" hangingPunct="1">
+      <a:lvl7pPr marL="2674620" indent="-205740" algn="l" defTabSz="822960" rtl="0" eaLnBrk="1" latinLnBrk="0" hangingPunct="1">
         <a:lnSpc>
           <a:spcPct val="90000"/>
         </a:lnSpc>
         <a:spcBef>
-          <a:spcPts val="375"/>
+          <a:spcPts val="450"/>
         </a:spcBef>
         <a:buFont typeface="Arial" panose="020B0604020202020204" pitchFamily="34" charset="0"/>
         <a:buChar char="•"/>
-        <a:defRPr sz="1350" kern="1200">
+        <a:defRPr sz="1620" kern="1200">
           <a:solidFill>
             <a:schemeClr val="tx1"/>
           </a:solidFill>
@@ -2818,16 +2820,16 @@
           <a:cs typeface="+mn-cs"/>
         </a:defRPr>
       </a:lvl7pPr>
-      <a:lvl8pPr marL="2571750" indent="-171450" algn="l" defTabSz="685800" rtl="0" eaLnBrk="1" latinLnBrk="0" hangingPunct="1">
+      <a:lvl8pPr marL="3086100" indent="-205740" algn="l" defTabSz="822960" rtl="0" eaLnBrk="1" latinLnBrk="0" hangingPunct="1">
         <a:lnSpc>
           <a:spcPct val="90000"/>
         </a:lnSpc>
         <a:spcBef>
-          <a:spcPts val="375"/>
+          <a:spcPts val="450"/>
         </a:spcBef>
         <a:buFont typeface="Arial" panose="020B0604020202020204" pitchFamily="34" charset="0"/>
         <a:buChar char="•"/>
-        <a:defRPr sz="1350" kern="1200">
+        <a:defRPr sz="1620" kern="1200">
           <a:solidFill>
             <a:schemeClr val="tx1"/>
           </a:solidFill>
@@ -2836,16 +2838,16 @@
           <a:cs typeface="+mn-cs"/>
         </a:defRPr>
       </a:lvl8pPr>
-      <a:lvl9pPr marL="2914650" indent="-171450" algn="l" defTabSz="685800" rtl="0" eaLnBrk="1" latinLnBrk="0" hangingPunct="1">
+      <a:lvl9pPr marL="3497580" indent="-205740" algn="l" defTabSz="822960" rtl="0" eaLnBrk="1" latinLnBrk="0" hangingPunct="1">
         <a:lnSpc>
           <a:spcPct val="90000"/>
         </a:lnSpc>
         <a:spcBef>
-          <a:spcPts val="375"/>
+          <a:spcPts val="450"/>
         </a:spcBef>
         <a:buFont typeface="Arial" panose="020B0604020202020204" pitchFamily="34" charset="0"/>
         <a:buChar char="•"/>
-        <a:defRPr sz="1350" kern="1200">
+        <a:defRPr sz="1620" kern="1200">
           <a:solidFill>
             <a:schemeClr val="tx1"/>
           </a:solidFill>
@@ -2859,8 +2861,8 @@
       <a:defPPr>
         <a:defRPr lang="en-US"/>
       </a:defPPr>
-      <a:lvl1pPr marL="0" algn="l" defTabSz="685800" rtl="0" eaLnBrk="1" latinLnBrk="0" hangingPunct="1">
-        <a:defRPr sz="1350" kern="1200">
+      <a:lvl1pPr marL="0" algn="l" defTabSz="822960" rtl="0" eaLnBrk="1" latinLnBrk="0" hangingPunct="1">
+        <a:defRPr sz="1620" kern="1200">
           <a:solidFill>
             <a:schemeClr val="tx1"/>
           </a:solidFill>
@@ -2869,8 +2871,8 @@
           <a:cs typeface="+mn-cs"/>
         </a:defRPr>
       </a:lvl1pPr>
-      <a:lvl2pPr marL="342900" algn="l" defTabSz="685800" rtl="0" eaLnBrk="1" latinLnBrk="0" hangingPunct="1">
-        <a:defRPr sz="1350" kern="1200">
+      <a:lvl2pPr marL="411480" algn="l" defTabSz="822960" rtl="0" eaLnBrk="1" latinLnBrk="0" hangingPunct="1">
+        <a:defRPr sz="1620" kern="1200">
           <a:solidFill>
             <a:schemeClr val="tx1"/>
           </a:solidFill>
@@ -2879,8 +2881,8 @@
           <a:cs typeface="+mn-cs"/>
         </a:defRPr>
       </a:lvl2pPr>
-      <a:lvl3pPr marL="685800" algn="l" defTabSz="685800" rtl="0" eaLnBrk="1" latinLnBrk="0" hangingPunct="1">
-        <a:defRPr sz="1350" kern="1200">
+      <a:lvl3pPr marL="822960" algn="l" defTabSz="822960" rtl="0" eaLnBrk="1" latinLnBrk="0" hangingPunct="1">
+        <a:defRPr sz="1620" kern="1200">
           <a:solidFill>
             <a:schemeClr val="tx1"/>
           </a:solidFill>
@@ -2889,8 +2891,8 @@
           <a:cs typeface="+mn-cs"/>
         </a:defRPr>
       </a:lvl3pPr>
-      <a:lvl4pPr marL="1028700" algn="l" defTabSz="685800" rtl="0" eaLnBrk="1" latinLnBrk="0" hangingPunct="1">
-        <a:defRPr sz="1350" kern="1200">
+      <a:lvl4pPr marL="1234440" algn="l" defTabSz="822960" rtl="0" eaLnBrk="1" latinLnBrk="0" hangingPunct="1">
+        <a:defRPr sz="1620" kern="1200">
           <a:solidFill>
             <a:schemeClr val="tx1"/>
           </a:solidFill>
@@ -2899,8 +2901,8 @@
           <a:cs typeface="+mn-cs"/>
         </a:defRPr>
       </a:lvl4pPr>
-      <a:lvl5pPr marL="1371600" algn="l" defTabSz="685800" rtl="0" eaLnBrk="1" latinLnBrk="0" hangingPunct="1">
-        <a:defRPr sz="1350" kern="1200">
+      <a:lvl5pPr marL="1645920" algn="l" defTabSz="822960" rtl="0" eaLnBrk="1" latinLnBrk="0" hangingPunct="1">
+        <a:defRPr sz="1620" kern="1200">
           <a:solidFill>
             <a:schemeClr val="tx1"/>
           </a:solidFill>
@@ -2909,8 +2911,8 @@
           <a:cs typeface="+mn-cs"/>
         </a:defRPr>
       </a:lvl5pPr>
-      <a:lvl6pPr marL="1714500" algn="l" defTabSz="685800" rtl="0" eaLnBrk="1" latinLnBrk="0" hangingPunct="1">
-        <a:defRPr sz="1350" kern="1200">
+      <a:lvl6pPr marL="2057400" algn="l" defTabSz="822960" rtl="0" eaLnBrk="1" latinLnBrk="0" hangingPunct="1">
+        <a:defRPr sz="1620" kern="1200">
           <a:solidFill>
             <a:schemeClr val="tx1"/>
           </a:solidFill>
@@ -2919,8 +2921,8 @@
           <a:cs typeface="+mn-cs"/>
         </a:defRPr>
       </a:lvl6pPr>
-      <a:lvl7pPr marL="2057400" algn="l" defTabSz="685800" rtl="0" eaLnBrk="1" latinLnBrk="0" hangingPunct="1">
-        <a:defRPr sz="1350" kern="1200">
+      <a:lvl7pPr marL="2468880" algn="l" defTabSz="822960" rtl="0" eaLnBrk="1" latinLnBrk="0" hangingPunct="1">
+        <a:defRPr sz="1620" kern="1200">
           <a:solidFill>
             <a:schemeClr val="tx1"/>
           </a:solidFill>
@@ -2929,8 +2931,8 @@
           <a:cs typeface="+mn-cs"/>
         </a:defRPr>
       </a:lvl7pPr>
-      <a:lvl8pPr marL="2400300" algn="l" defTabSz="685800" rtl="0" eaLnBrk="1" latinLnBrk="0" hangingPunct="1">
-        <a:defRPr sz="1350" kern="1200">
+      <a:lvl8pPr marL="2880360" algn="l" defTabSz="822960" rtl="0" eaLnBrk="1" latinLnBrk="0" hangingPunct="1">
+        <a:defRPr sz="1620" kern="1200">
           <a:solidFill>
             <a:schemeClr val="tx1"/>
           </a:solidFill>
@@ -2939,8 +2941,8 @@
           <a:cs typeface="+mn-cs"/>
         </a:defRPr>
       </a:lvl8pPr>
-      <a:lvl9pPr marL="2743200" algn="l" defTabSz="685800" rtl="0" eaLnBrk="1" latinLnBrk="0" hangingPunct="1">
-        <a:defRPr sz="1350" kern="1200">
+      <a:lvl9pPr marL="3291840" algn="l" defTabSz="822960" rtl="0" eaLnBrk="1" latinLnBrk="0" hangingPunct="1">
+        <a:defRPr sz="1620" kern="1200">
           <a:solidFill>
             <a:schemeClr val="tx1"/>
           </a:solidFill>
@@ -2973,10 +2975,10 @@
       </p:grpSpPr>
       <p:pic>
         <p:nvPicPr>
-          <p:cNvPr id="3" name="Picture 2">
+          <p:cNvPr id="6" name="Picture 5">
             <a:extLst>
               <a:ext uri="{FF2B5EF4-FFF2-40B4-BE49-F238E27FC236}">
-                <a16:creationId xmlns:a16="http://schemas.microsoft.com/office/drawing/2014/main" id="{2B8D2A37-3DA4-0643-BAD6-F613150A9E0E}"/>
+                <a16:creationId xmlns:a16="http://schemas.microsoft.com/office/drawing/2014/main" id="{7DD4D061-8A74-C24D-AC88-D8E93576ED94}"/>
               </a:ext>
             </a:extLst>
           </p:cNvPr>
@@ -2987,13 +2989,13 @@
         </p:nvPicPr>
         <p:blipFill rotWithShape="1">
           <a:blip r:embed="rId2"/>
-          <a:srcRect b="3600"/>
+          <a:srcRect r="15900"/>
           <a:stretch/>
         </p:blipFill>
         <p:spPr>
           <a:xfrm>
-            <a:off x="189941" y="110432"/>
-            <a:ext cx="6556549" cy="6390729"/>
+            <a:off x="247438" y="0"/>
+            <a:ext cx="5146812" cy="6858000"/>
           </a:xfrm>
           <a:prstGeom prst="rect">
             <a:avLst/>
@@ -3002,10 +3004,10 @@
       </p:pic>
       <p:sp>
         <p:nvSpPr>
-          <p:cNvPr id="6" name="Rectangle 5">
+          <p:cNvPr id="21" name="Rectangle 20">
             <a:extLst>
               <a:ext uri="{FF2B5EF4-FFF2-40B4-BE49-F238E27FC236}">
-                <a16:creationId xmlns:a16="http://schemas.microsoft.com/office/drawing/2014/main" id="{374DD333-6C9E-B34E-96BD-9901BB89918F}"/>
+                <a16:creationId xmlns:a16="http://schemas.microsoft.com/office/drawing/2014/main" id="{B5FB9981-9BD0-B148-8280-A963376082EF}"/>
               </a:ext>
             </a:extLst>
           </p:cNvPr>
@@ -3014,15 +3016,12 @@
         </p:nvSpPr>
         <p:spPr>
           <a:xfrm>
-            <a:off x="1939142" y="85031"/>
-            <a:ext cx="696024" cy="338554"/>
+            <a:off x="-15326" y="1"/>
+            <a:ext cx="389850" cy="461665"/>
           </a:xfrm>
           <a:prstGeom prst="rect">
             <a:avLst/>
           </a:prstGeom>
-          <a:solidFill>
-            <a:schemeClr val="bg1"/>
-          </a:solidFill>
         </p:spPr>
         <p:txBody>
           <a:bodyPr wrap="none">
@@ -3031,24 +3030,50 @@
           <a:lstStyle/>
           <a:p>
             <a:r>
-              <a:rPr lang="en-US" sz="1600" dirty="0">
-                <a:solidFill>
-                  <a:srgbClr val="262626"/>
-                </a:solidFill>
+              <a:rPr lang="en-US" sz="2400" dirty="0">
                 <a:latin typeface="Arial" panose="020B0604020202020204" pitchFamily="34" charset="0"/>
                 <a:cs typeface="Arial" panose="020B0604020202020204" pitchFamily="34" charset="0"/>
               </a:rPr>
-              <a:t>Spike</a:t>
-            </a:r>
-          </a:p>
-        </p:txBody>
-      </p:sp>
-      <p:sp>
-        <p:nvSpPr>
-          <p:cNvPr id="7" name="Rectangle 6">
+              <a:t>A</a:t>
+            </a:r>
+          </a:p>
+        </p:txBody>
+      </p:sp>
+      <p:pic>
+        <p:nvPicPr>
+          <p:cNvPr id="8" name="Picture 7">
             <a:extLst>
               <a:ext uri="{FF2B5EF4-FFF2-40B4-BE49-F238E27FC236}">
-                <a16:creationId xmlns:a16="http://schemas.microsoft.com/office/drawing/2014/main" id="{AC8BDF27-0A36-C94B-9B1A-C501862E5B24}"/>
+                <a16:creationId xmlns:a16="http://schemas.microsoft.com/office/drawing/2014/main" id="{1BE44625-4888-2546-87AB-B8E81BBBF435}"/>
+              </a:ext>
+            </a:extLst>
+          </p:cNvPr>
+          <p:cNvPicPr>
+            <a:picLocks noChangeAspect="1"/>
+          </p:cNvPicPr>
+          <p:nvPr/>
+        </p:nvPicPr>
+        <p:blipFill rotWithShape="1">
+          <a:blip r:embed="rId3"/>
+          <a:srcRect r="16522" b="24444"/>
+          <a:stretch/>
+        </p:blipFill>
+        <p:spPr>
+          <a:xfrm>
+            <a:off x="5770065" y="0"/>
+            <a:ext cx="5108747" cy="5181600"/>
+          </a:xfrm>
+          <a:prstGeom prst="rect">
+            <a:avLst/>
+          </a:prstGeom>
+        </p:spPr>
+      </p:pic>
+      <p:sp>
+        <p:nvSpPr>
+          <p:cNvPr id="22" name="Rectangle 21">
+            <a:extLst>
+              <a:ext uri="{FF2B5EF4-FFF2-40B4-BE49-F238E27FC236}">
+                <a16:creationId xmlns:a16="http://schemas.microsoft.com/office/drawing/2014/main" id="{B37135EE-DC76-BB4D-9836-013C401987CF}"/>
               </a:ext>
             </a:extLst>
           </p:cNvPr>
@@ -3057,15 +3082,12 @@
         </p:nvSpPr>
         <p:spPr>
           <a:xfrm>
-            <a:off x="5261291" y="85031"/>
-            <a:ext cx="434734" cy="338554"/>
+            <a:off x="5428420" y="1"/>
+            <a:ext cx="389850" cy="461665"/>
           </a:xfrm>
           <a:prstGeom prst="rect">
             <a:avLst/>
           </a:prstGeom>
-          <a:solidFill>
-            <a:schemeClr val="bg1"/>
-          </a:solidFill>
         </p:spPr>
         <p:txBody>
           <a:bodyPr wrap="none">
@@ -3074,108 +3096,448 @@
           <a:lstStyle/>
           <a:p>
             <a:r>
-              <a:rPr lang="en-US" sz="1600" dirty="0">
-                <a:solidFill>
-                  <a:srgbClr val="262626"/>
-                </a:solidFill>
+              <a:rPr lang="en-US" sz="2400" dirty="0">
                 <a:latin typeface="Arial" panose="020B0604020202020204" pitchFamily="34" charset="0"/>
                 <a:cs typeface="Arial" panose="020B0604020202020204" pitchFamily="34" charset="0"/>
               </a:rPr>
-              <a:t>S1</a:t>
-            </a:r>
-          </a:p>
-        </p:txBody>
-      </p:sp>
-      <p:sp>
-        <p:nvSpPr>
-          <p:cNvPr id="8" name="Rectangle 7">
+              <a:t>B</a:t>
+            </a:r>
+          </a:p>
+        </p:txBody>
+      </p:sp>
+      <p:grpSp>
+        <p:nvGrpSpPr>
+          <p:cNvPr id="32" name="Group 31">
             <a:extLst>
               <a:ext uri="{FF2B5EF4-FFF2-40B4-BE49-F238E27FC236}">
-                <a16:creationId xmlns:a16="http://schemas.microsoft.com/office/drawing/2014/main" id="{60C14543-BAFD-7347-8F5E-5B1A1D064549}"/>
+                <a16:creationId xmlns:a16="http://schemas.microsoft.com/office/drawing/2014/main" id="{F9567447-DF8F-BC4B-AA11-3405E7354D34}"/>
               </a:ext>
             </a:extLst>
           </p:cNvPr>
-          <p:cNvSpPr/>
+          <p:cNvGrpSpPr/>
           <p:nvPr/>
-        </p:nvSpPr>
+        </p:nvGrpSpPr>
+        <p:grpSpPr>
+          <a:xfrm>
+            <a:off x="4012080" y="5563223"/>
+            <a:ext cx="3437419" cy="1046440"/>
+            <a:chOff x="3743310" y="5318825"/>
+            <a:chExt cx="3437419" cy="1046440"/>
+          </a:xfrm>
+        </p:grpSpPr>
+        <p:sp>
+          <p:nvSpPr>
+            <p:cNvPr id="12" name="TextBox 11">
+              <a:extLst>
+                <a:ext uri="{FF2B5EF4-FFF2-40B4-BE49-F238E27FC236}">
+                  <a16:creationId xmlns:a16="http://schemas.microsoft.com/office/drawing/2014/main" id="{4FE2DF96-56CC-5347-BA93-5A7F71E8574A}"/>
+                </a:ext>
+              </a:extLst>
+            </p:cNvPr>
+            <p:cNvSpPr txBox="1"/>
+            <p:nvPr/>
+          </p:nvSpPr>
+          <p:spPr>
+            <a:xfrm>
+              <a:off x="3743310" y="5318825"/>
+              <a:ext cx="3437419" cy="1046440"/>
+            </a:xfrm>
+            <a:prstGeom prst="rect">
+              <a:avLst/>
+            </a:prstGeom>
+            <a:noFill/>
+            <a:ln>
+              <a:solidFill>
+                <a:schemeClr val="tx1"/>
+              </a:solidFill>
+            </a:ln>
+          </p:spPr>
+          <p:txBody>
+            <a:bodyPr wrap="square" numCol="2" rtlCol="0">
+              <a:spAutoFit/>
+            </a:bodyPr>
+            <a:lstStyle/>
+            <a:p>
+              <a:r>
+                <a:rPr lang="en-US" sz="1400" dirty="0">
+                  <a:latin typeface="Arial" panose="020B0604020202020204" pitchFamily="34" charset="0"/>
+                  <a:cs typeface="Arial" panose="020B0604020202020204" pitchFamily="34" charset="0"/>
+                </a:rPr>
+                <a:t>Gene</a:t>
+              </a:r>
+            </a:p>
+            <a:p>
+              <a:r>
+                <a:rPr lang="en-US" sz="1200" dirty="0">
+                  <a:solidFill>
+                    <a:srgbClr val="009888"/>
+                  </a:solidFill>
+                  <a:latin typeface="Arial" panose="020B0604020202020204" pitchFamily="34" charset="0"/>
+                  <a:cs typeface="Arial" panose="020B0604020202020204" pitchFamily="34" charset="0"/>
+                </a:rPr>
+                <a:t>         Spike</a:t>
+              </a:r>
+            </a:p>
+            <a:p>
+              <a:r>
+                <a:rPr lang="en-US" sz="1200" dirty="0">
+                  <a:solidFill>
+                    <a:srgbClr val="FF9A00"/>
+                  </a:solidFill>
+                  <a:latin typeface="Arial" panose="020B0604020202020204" pitchFamily="34" charset="0"/>
+                  <a:cs typeface="Arial" panose="020B0604020202020204" pitchFamily="34" charset="0"/>
+                </a:rPr>
+                <a:t>         RdRp </a:t>
+              </a:r>
+            </a:p>
+            <a:p>
+              <a:r>
+                <a:rPr lang="en-US" sz="1200" dirty="0">
+                  <a:solidFill>
+                    <a:srgbClr val="87C735"/>
+                  </a:solidFill>
+                  <a:latin typeface="Arial" panose="020B0604020202020204" pitchFamily="34" charset="0"/>
+                  <a:cs typeface="Arial" panose="020B0604020202020204" pitchFamily="34" charset="0"/>
+                </a:rPr>
+                <a:t>         S1</a:t>
+              </a:r>
+            </a:p>
+            <a:p>
+              <a:r>
+                <a:rPr lang="en-US" sz="1200" dirty="0">
+                  <a:solidFill>
+                    <a:srgbClr val="2E86C1"/>
+                  </a:solidFill>
+                  <a:latin typeface="Arial" panose="020B0604020202020204" pitchFamily="34" charset="0"/>
+                  <a:cs typeface="Arial" panose="020B0604020202020204" pitchFamily="34" charset="0"/>
+                </a:rPr>
+                <a:t>         S2</a:t>
+              </a:r>
+            </a:p>
+            <a:p>
+              <a:r>
+                <a:rPr lang="en-US" sz="1400" dirty="0">
+                  <a:latin typeface="Arial" panose="020B0604020202020204" pitchFamily="34" charset="0"/>
+                  <a:cs typeface="Arial" panose="020B0604020202020204" pitchFamily="34" charset="0"/>
+                </a:rPr>
+                <a:t>Substitution</a:t>
+              </a:r>
+            </a:p>
+            <a:p>
+              <a:r>
+                <a:rPr lang="en-US" sz="1200" dirty="0">
+                  <a:solidFill>
+                    <a:srgbClr val="009888"/>
+                  </a:solidFill>
+                  <a:latin typeface="Arial" panose="020B0604020202020204" pitchFamily="34" charset="0"/>
+                  <a:cs typeface="Arial" panose="020B0604020202020204" pitchFamily="34" charset="0"/>
+                </a:rPr>
+                <a:t>         </a:t>
+              </a:r>
+              <a:r>
+                <a:rPr lang="en-US" sz="1200" dirty="0">
+                  <a:latin typeface="Arial" panose="020B0604020202020204" pitchFamily="34" charset="0"/>
+                  <a:cs typeface="Arial" panose="020B0604020202020204" pitchFamily="34" charset="0"/>
+                </a:rPr>
+                <a:t>synonymous</a:t>
+              </a:r>
+            </a:p>
+            <a:p>
+              <a:r>
+                <a:rPr lang="en-US" sz="1200" dirty="0">
+                  <a:latin typeface="Arial" panose="020B0604020202020204" pitchFamily="34" charset="0"/>
+                  <a:cs typeface="Arial" panose="020B0604020202020204" pitchFamily="34" charset="0"/>
+                </a:rPr>
+                <a:t>         nonsynonymous</a:t>
+              </a:r>
+              <a:endParaRPr lang="en-US" sz="1400" dirty="0">
+                <a:latin typeface="Arial" panose="020B0604020202020204" pitchFamily="34" charset="0"/>
+                <a:cs typeface="Arial" panose="020B0604020202020204" pitchFamily="34" charset="0"/>
+              </a:endParaRPr>
+            </a:p>
+          </p:txBody>
+        </p:sp>
+        <p:cxnSp>
+          <p:nvCxnSpPr>
+            <p:cNvPr id="14" name="Straight Connector 13">
+              <a:extLst>
+                <a:ext uri="{FF2B5EF4-FFF2-40B4-BE49-F238E27FC236}">
+                  <a16:creationId xmlns:a16="http://schemas.microsoft.com/office/drawing/2014/main" id="{61E1E2D9-746A-EB4D-8C49-08D1CD771B9D}"/>
+                </a:ext>
+              </a:extLst>
+            </p:cNvPr>
+            <p:cNvCxnSpPr/>
+            <p:nvPr/>
+          </p:nvCxnSpPr>
+          <p:spPr>
+            <a:xfrm>
+              <a:off x="3885355" y="5671306"/>
+              <a:ext cx="274320" cy="0"/>
+            </a:xfrm>
+            <a:prstGeom prst="line">
+              <a:avLst/>
+            </a:prstGeom>
+            <a:ln w="38100">
+              <a:solidFill>
+                <a:srgbClr val="009888"/>
+              </a:solidFill>
+            </a:ln>
+          </p:spPr>
+          <p:style>
+            <a:lnRef idx="1">
+              <a:schemeClr val="accent1"/>
+            </a:lnRef>
+            <a:fillRef idx="0">
+              <a:schemeClr val="accent1"/>
+            </a:fillRef>
+            <a:effectRef idx="0">
+              <a:schemeClr val="accent1"/>
+            </a:effectRef>
+            <a:fontRef idx="minor">
+              <a:schemeClr val="tx1"/>
+            </a:fontRef>
+          </p:style>
+        </p:cxnSp>
+        <p:cxnSp>
+          <p:nvCxnSpPr>
+            <p:cNvPr id="15" name="Straight Connector 14">
+              <a:extLst>
+                <a:ext uri="{FF2B5EF4-FFF2-40B4-BE49-F238E27FC236}">
+                  <a16:creationId xmlns:a16="http://schemas.microsoft.com/office/drawing/2014/main" id="{595D902E-22A2-0946-AFC2-8100B4098B62}"/>
+                </a:ext>
+              </a:extLst>
+            </p:cNvPr>
+            <p:cNvCxnSpPr/>
+            <p:nvPr/>
+          </p:nvCxnSpPr>
+          <p:spPr>
+            <a:xfrm>
+              <a:off x="3885355" y="5848866"/>
+              <a:ext cx="274320" cy="0"/>
+            </a:xfrm>
+            <a:prstGeom prst="line">
+              <a:avLst/>
+            </a:prstGeom>
+            <a:ln w="38100">
+              <a:solidFill>
+                <a:srgbClr val="FF9A00"/>
+              </a:solidFill>
+            </a:ln>
+          </p:spPr>
+          <p:style>
+            <a:lnRef idx="1">
+              <a:schemeClr val="accent1"/>
+            </a:lnRef>
+            <a:fillRef idx="0">
+              <a:schemeClr val="accent1"/>
+            </a:fillRef>
+            <a:effectRef idx="0">
+              <a:schemeClr val="accent1"/>
+            </a:effectRef>
+            <a:fontRef idx="minor">
+              <a:schemeClr val="tx1"/>
+            </a:fontRef>
+          </p:style>
+        </p:cxnSp>
+        <p:cxnSp>
+          <p:nvCxnSpPr>
+            <p:cNvPr id="16" name="Straight Connector 15">
+              <a:extLst>
+                <a:ext uri="{FF2B5EF4-FFF2-40B4-BE49-F238E27FC236}">
+                  <a16:creationId xmlns:a16="http://schemas.microsoft.com/office/drawing/2014/main" id="{5CC1956A-3F0E-6D40-B340-B8B42DEDC400}"/>
+                </a:ext>
+              </a:extLst>
+            </p:cNvPr>
+            <p:cNvCxnSpPr/>
+            <p:nvPr/>
+          </p:nvCxnSpPr>
+          <p:spPr>
+            <a:xfrm>
+              <a:off x="3885355" y="6029400"/>
+              <a:ext cx="274320" cy="0"/>
+            </a:xfrm>
+            <a:prstGeom prst="line">
+              <a:avLst/>
+            </a:prstGeom>
+            <a:ln w="38100">
+              <a:solidFill>
+                <a:srgbClr val="87C735"/>
+              </a:solidFill>
+            </a:ln>
+          </p:spPr>
+          <p:style>
+            <a:lnRef idx="1">
+              <a:schemeClr val="accent1"/>
+            </a:lnRef>
+            <a:fillRef idx="0">
+              <a:schemeClr val="accent1"/>
+            </a:fillRef>
+            <a:effectRef idx="0">
+              <a:schemeClr val="accent1"/>
+            </a:effectRef>
+            <a:fontRef idx="minor">
+              <a:schemeClr val="tx1"/>
+            </a:fontRef>
+          </p:style>
+        </p:cxnSp>
+        <p:cxnSp>
+          <p:nvCxnSpPr>
+            <p:cNvPr id="17" name="Straight Connector 16">
+              <a:extLst>
+                <a:ext uri="{FF2B5EF4-FFF2-40B4-BE49-F238E27FC236}">
+                  <a16:creationId xmlns:a16="http://schemas.microsoft.com/office/drawing/2014/main" id="{F24B9898-A46E-7144-9A5D-EFBBA4FAF7CA}"/>
+                </a:ext>
+              </a:extLst>
+            </p:cNvPr>
+            <p:cNvCxnSpPr/>
+            <p:nvPr/>
+          </p:nvCxnSpPr>
+          <p:spPr>
+            <a:xfrm>
+              <a:off x="3885355" y="6215837"/>
+              <a:ext cx="274320" cy="0"/>
+            </a:xfrm>
+            <a:prstGeom prst="line">
+              <a:avLst/>
+            </a:prstGeom>
+            <a:ln w="38100">
+              <a:solidFill>
+                <a:srgbClr val="2E86C1"/>
+              </a:solidFill>
+            </a:ln>
+          </p:spPr>
+          <p:style>
+            <a:lnRef idx="1">
+              <a:schemeClr val="accent1"/>
+            </a:lnRef>
+            <a:fillRef idx="0">
+              <a:schemeClr val="accent1"/>
+            </a:fillRef>
+            <a:effectRef idx="0">
+              <a:schemeClr val="accent1"/>
+            </a:effectRef>
+            <a:fontRef idx="minor">
+              <a:schemeClr val="tx1"/>
+            </a:fontRef>
+          </p:style>
+        </p:cxnSp>
+        <p:cxnSp>
+          <p:nvCxnSpPr>
+            <p:cNvPr id="18" name="Straight Connector 17">
+              <a:extLst>
+                <a:ext uri="{FF2B5EF4-FFF2-40B4-BE49-F238E27FC236}">
+                  <a16:creationId xmlns:a16="http://schemas.microsoft.com/office/drawing/2014/main" id="{07D24D0B-1326-D145-94F3-844C7F7E174C}"/>
+                </a:ext>
+              </a:extLst>
+            </p:cNvPr>
+            <p:cNvCxnSpPr/>
+            <p:nvPr/>
+          </p:nvCxnSpPr>
+          <p:spPr>
+            <a:xfrm>
+              <a:off x="5501295" y="5657859"/>
+              <a:ext cx="274320" cy="0"/>
+            </a:xfrm>
+            <a:prstGeom prst="line">
+              <a:avLst/>
+            </a:prstGeom>
+            <a:ln w="38100">
+              <a:solidFill>
+                <a:schemeClr val="tx1"/>
+              </a:solidFill>
+            </a:ln>
+          </p:spPr>
+          <p:style>
+            <a:lnRef idx="1">
+              <a:schemeClr val="accent1"/>
+            </a:lnRef>
+            <a:fillRef idx="0">
+              <a:schemeClr val="accent1"/>
+            </a:fillRef>
+            <a:effectRef idx="0">
+              <a:schemeClr val="accent1"/>
+            </a:effectRef>
+            <a:fontRef idx="minor">
+              <a:schemeClr val="tx1"/>
+            </a:fontRef>
+          </p:style>
+        </p:cxnSp>
+        <p:cxnSp>
+          <p:nvCxnSpPr>
+            <p:cNvPr id="19" name="Straight Connector 18">
+              <a:extLst>
+                <a:ext uri="{FF2B5EF4-FFF2-40B4-BE49-F238E27FC236}">
+                  <a16:creationId xmlns:a16="http://schemas.microsoft.com/office/drawing/2014/main" id="{70B1B2E7-ABDB-8847-8E87-576489E09F83}"/>
+                </a:ext>
+              </a:extLst>
+            </p:cNvPr>
+            <p:cNvCxnSpPr/>
+            <p:nvPr/>
+          </p:nvCxnSpPr>
+          <p:spPr>
+            <a:xfrm>
+              <a:off x="5501295" y="5844296"/>
+              <a:ext cx="274320" cy="0"/>
+            </a:xfrm>
+            <a:prstGeom prst="line">
+              <a:avLst/>
+            </a:prstGeom>
+            <a:ln w="38100">
+              <a:solidFill>
+                <a:schemeClr val="tx1"/>
+              </a:solidFill>
+              <a:prstDash val="sysDash"/>
+            </a:ln>
+          </p:spPr>
+          <p:style>
+            <a:lnRef idx="1">
+              <a:schemeClr val="accent1"/>
+            </a:lnRef>
+            <a:fillRef idx="0">
+              <a:schemeClr val="accent1"/>
+            </a:fillRef>
+            <a:effectRef idx="0">
+              <a:schemeClr val="accent1"/>
+            </a:effectRef>
+            <a:fontRef idx="minor">
+              <a:schemeClr val="tx1"/>
+            </a:fontRef>
+          </p:style>
+        </p:cxnSp>
+      </p:grpSp>
+      <p:pic>
+        <p:nvPicPr>
+          <p:cNvPr id="10" name="Picture 9">
+            <a:extLst>
+              <a:ext uri="{FF2B5EF4-FFF2-40B4-BE49-F238E27FC236}">
+                <a16:creationId xmlns:a16="http://schemas.microsoft.com/office/drawing/2014/main" id="{48AD14A9-F21C-2A49-8D6D-2D2BD667B8A4}"/>
+              </a:ext>
+            </a:extLst>
+          </p:cNvPr>
+          <p:cNvPicPr>
+            <a:picLocks noChangeAspect="1"/>
+          </p:cNvPicPr>
+          <p:nvPr/>
+        </p:nvPicPr>
+        <p:blipFill rotWithShape="1">
+          <a:blip r:embed="rId3"/>
+          <a:srcRect t="75555" r="55188"/>
+          <a:stretch/>
+        </p:blipFill>
         <p:spPr>
           <a:xfrm>
-            <a:off x="5125036" y="3425132"/>
-            <a:ext cx="707245" cy="338554"/>
+            <a:off x="8187197" y="5181600"/>
+            <a:ext cx="2742415" cy="1676400"/>
           </a:xfrm>
           <a:prstGeom prst="rect">
             <a:avLst/>
           </a:prstGeom>
-          <a:solidFill>
-            <a:schemeClr val="bg1"/>
-          </a:solidFill>
         </p:spPr>
-        <p:txBody>
-          <a:bodyPr wrap="none">
-            <a:spAutoFit/>
-          </a:bodyPr>
-          <a:lstStyle/>
-          <a:p>
-            <a:r>
-              <a:rPr lang="en-US" sz="1600" dirty="0">
-                <a:solidFill>
-                  <a:srgbClr val="262626"/>
-                </a:solidFill>
-                <a:latin typeface="Arial" panose="020B0604020202020204" pitchFamily="34" charset="0"/>
-                <a:cs typeface="Arial" panose="020B0604020202020204" pitchFamily="34" charset="0"/>
-              </a:rPr>
-              <a:t>RdRp</a:t>
-            </a:r>
-          </a:p>
-        </p:txBody>
-      </p:sp>
-      <p:sp>
-        <p:nvSpPr>
-          <p:cNvPr id="9" name="TextBox 8">
-            <a:extLst>
-              <a:ext uri="{FF2B5EF4-FFF2-40B4-BE49-F238E27FC236}">
-                <a16:creationId xmlns:a16="http://schemas.microsoft.com/office/drawing/2014/main" id="{69EDA11E-F109-4140-9C22-611E190756FC}"/>
-              </a:ext>
-            </a:extLst>
-          </p:cNvPr>
-          <p:cNvSpPr txBox="1"/>
-          <p:nvPr/>
-        </p:nvSpPr>
-        <p:spPr>
-          <a:xfrm>
-            <a:off x="2086617" y="3425132"/>
-            <a:ext cx="434734" cy="338554"/>
-          </a:xfrm>
-          <a:prstGeom prst="rect">
-            <a:avLst/>
-          </a:prstGeom>
-          <a:solidFill>
-            <a:schemeClr val="bg1"/>
-          </a:solidFill>
-        </p:spPr>
-        <p:txBody>
-          <a:bodyPr wrap="none" rtlCol="0">
-            <a:spAutoFit/>
-          </a:bodyPr>
-          <a:lstStyle/>
-          <a:p>
-            <a:r>
-              <a:rPr lang="en-US" sz="1600" dirty="0">
-                <a:solidFill>
-                  <a:srgbClr val="262626"/>
-                </a:solidFill>
-                <a:latin typeface="Arial" panose="020B0604020202020204" pitchFamily="34" charset="0"/>
-                <a:cs typeface="Arial" panose="020B0604020202020204" pitchFamily="34" charset="0"/>
-              </a:rPr>
-              <a:t>S2</a:t>
-            </a:r>
-          </a:p>
-        </p:txBody>
-      </p:sp>
+      </p:pic>
     </p:spTree>
     <p:extLst>
       <p:ext uri="{BB962C8B-B14F-4D97-AF65-F5344CB8AC3E}">
-        <p14:creationId xmlns:p14="http://schemas.microsoft.com/office/powerpoint/2010/main" val="3171305823"/>
+        <p14:creationId xmlns:p14="http://schemas.microsoft.com/office/powerpoint/2010/main" val="185230218"/>
       </p:ext>
     </p:extLst>
   </p:cSld>

--- a/antigenic_evolution/plots/figures/figure2.pptx
+++ b/antigenic_evolution/plots/figures/figure2.pptx
@@ -7,7 +7,7 @@
   <p:sldIdLst>
     <p:sldId id="256" r:id="rId2"/>
   </p:sldIdLst>
-  <p:sldSz cx="10972800" cy="6858000"/>
+  <p:sldSz cx="12192000" cy="4114800"/>
   <p:notesSz cx="6858000" cy="9144000"/>
   <p:defaultTextStyle>
     <a:defPPr>
@@ -104,11 +104,6 @@
       </a:defRPr>
     </a:lvl9pPr>
   </p:defaultTextStyle>
-  <p:extLst>
-    <p:ext uri="{EFAFB233-063F-42B5-8137-9DF3F51BA10A}">
-      <p15:sldGuideLst xmlns:p15="http://schemas.microsoft.com/office/powerpoint/2012/main"/>
-    </p:ext>
-  </p:extLst>
 </p:presentation>
 </file>
 
@@ -141,15 +136,15 @@
         </p:nvSpPr>
         <p:spPr>
           <a:xfrm>
-            <a:off x="1371600" y="1122363"/>
-            <a:ext cx="8229600" cy="2387600"/>
+            <a:off x="1524000" y="673418"/>
+            <a:ext cx="9144000" cy="1432560"/>
           </a:xfrm>
         </p:spPr>
         <p:txBody>
           <a:bodyPr anchor="b"/>
           <a:lstStyle>
             <a:lvl1pPr algn="ctr">
-              <a:defRPr sz="5400"/>
+              <a:defRPr sz="3600"/>
             </a:lvl1pPr>
           </a:lstStyle>
           <a:p>
@@ -173,8 +168,8 @@
         </p:nvSpPr>
         <p:spPr>
           <a:xfrm>
-            <a:off x="1371600" y="3602038"/>
-            <a:ext cx="8229600" cy="1655762"/>
+            <a:off x="1524000" y="2161223"/>
+            <a:ext cx="9144000" cy="993457"/>
           </a:xfrm>
         </p:spPr>
         <p:txBody>
@@ -182,39 +177,39 @@
           <a:lstStyle>
             <a:lvl1pPr marL="0" indent="0" algn="ctr">
               <a:buNone/>
-              <a:defRPr sz="2160"/>
+              <a:defRPr sz="1440"/>
             </a:lvl1pPr>
-            <a:lvl2pPr marL="411480" indent="0" algn="ctr">
-              <a:buNone/>
-              <a:defRPr sz="1800"/>
+            <a:lvl2pPr marL="274320" indent="0" algn="ctr">
+              <a:buNone/>
+              <a:defRPr sz="1200"/>
             </a:lvl2pPr>
-            <a:lvl3pPr marL="822960" indent="0" algn="ctr">
-              <a:buNone/>
-              <a:defRPr sz="1620"/>
+            <a:lvl3pPr marL="548640" indent="0" algn="ctr">
+              <a:buNone/>
+              <a:defRPr sz="1080"/>
             </a:lvl3pPr>
-            <a:lvl4pPr marL="1234440" indent="0" algn="ctr">
-              <a:buNone/>
-              <a:defRPr sz="1440"/>
+            <a:lvl4pPr marL="822960" indent="0" algn="ctr">
+              <a:buNone/>
+              <a:defRPr sz="960"/>
             </a:lvl4pPr>
-            <a:lvl5pPr marL="1645920" indent="0" algn="ctr">
-              <a:buNone/>
-              <a:defRPr sz="1440"/>
+            <a:lvl5pPr marL="1097280" indent="0" algn="ctr">
+              <a:buNone/>
+              <a:defRPr sz="960"/>
             </a:lvl5pPr>
-            <a:lvl6pPr marL="2057400" indent="0" algn="ctr">
-              <a:buNone/>
-              <a:defRPr sz="1440"/>
+            <a:lvl6pPr marL="1371600" indent="0" algn="ctr">
+              <a:buNone/>
+              <a:defRPr sz="960"/>
             </a:lvl6pPr>
-            <a:lvl7pPr marL="2468880" indent="0" algn="ctr">
-              <a:buNone/>
-              <a:defRPr sz="1440"/>
+            <a:lvl7pPr marL="1645920" indent="0" algn="ctr">
+              <a:buNone/>
+              <a:defRPr sz="960"/>
             </a:lvl7pPr>
-            <a:lvl8pPr marL="2880360" indent="0" algn="ctr">
-              <a:buNone/>
-              <a:defRPr sz="1440"/>
+            <a:lvl8pPr marL="1920240" indent="0" algn="ctr">
+              <a:buNone/>
+              <a:defRPr sz="960"/>
             </a:lvl8pPr>
-            <a:lvl9pPr marL="3291840" indent="0" algn="ctr">
-              <a:buNone/>
-              <a:defRPr sz="1440"/>
+            <a:lvl9pPr marL="2194560" indent="0" algn="ctr">
+              <a:buNone/>
+              <a:defRPr sz="960"/>
             </a:lvl9pPr>
           </a:lstStyle>
           <a:p>
@@ -241,9 +236,9 @@
           <a:bodyPr/>
           <a:lstStyle/>
           <a:p>
-            <a:fld id="{36803624-8ED7-D647-A91A-65E33D0C6F14}" type="datetimeFigureOut">
+            <a:fld id="{368CC5CE-77A5-F648-895D-B56A6D348C68}" type="datetimeFigureOut">
               <a:rPr lang="en-US" smtClean="0"/>
-              <a:t>9/11/20</a:t>
+              <a:t>9/30/20</a:t>
             </a:fld>
             <a:endParaRPr lang="en-US"/>
           </a:p>
@@ -283,7 +278,7 @@
           <a:bodyPr/>
           <a:lstStyle/>
           <a:p>
-            <a:fld id="{7768E68F-9CCE-D04E-B982-4C13A5889D00}" type="slidenum">
+            <a:fld id="{D340D7BD-3C35-8544-921E-E944BCC48069}" type="slidenum">
               <a:rPr lang="en-US" smtClean="0"/>
               <a:t>‹#›</a:t>
             </a:fld>
@@ -294,7 +289,7 @@
     </p:spTree>
     <p:extLst>
       <p:ext uri="{BB962C8B-B14F-4D97-AF65-F5344CB8AC3E}">
-        <p14:creationId xmlns:p14="http://schemas.microsoft.com/office/powerpoint/2010/main" val="2683153459"/>
+        <p14:creationId xmlns:p14="http://schemas.microsoft.com/office/powerpoint/2010/main" val="2966634033"/>
       </p:ext>
     </p:extLst>
   </p:cSld>
@@ -411,9 +406,9 @@
           <a:bodyPr/>
           <a:lstStyle/>
           <a:p>
-            <a:fld id="{36803624-8ED7-D647-A91A-65E33D0C6F14}" type="datetimeFigureOut">
+            <a:fld id="{368CC5CE-77A5-F648-895D-B56A6D348C68}" type="datetimeFigureOut">
               <a:rPr lang="en-US" smtClean="0"/>
-              <a:t>9/11/20</a:t>
+              <a:t>9/30/20</a:t>
             </a:fld>
             <a:endParaRPr lang="en-US"/>
           </a:p>
@@ -453,7 +448,7 @@
           <a:bodyPr/>
           <a:lstStyle/>
           <a:p>
-            <a:fld id="{7768E68F-9CCE-D04E-B982-4C13A5889D00}" type="slidenum">
+            <a:fld id="{D340D7BD-3C35-8544-921E-E944BCC48069}" type="slidenum">
               <a:rPr lang="en-US" smtClean="0"/>
               <a:t>‹#›</a:t>
             </a:fld>
@@ -464,7 +459,7 @@
     </p:spTree>
     <p:extLst>
       <p:ext uri="{BB962C8B-B14F-4D97-AF65-F5344CB8AC3E}">
-        <p14:creationId xmlns:p14="http://schemas.microsoft.com/office/powerpoint/2010/main" val="1846720180"/>
+        <p14:creationId xmlns:p14="http://schemas.microsoft.com/office/powerpoint/2010/main" val="2714213385"/>
       </p:ext>
     </p:extLst>
   </p:cSld>
@@ -503,8 +498,8 @@
         </p:nvSpPr>
         <p:spPr>
           <a:xfrm>
-            <a:off x="7852410" y="365125"/>
-            <a:ext cx="2366010" cy="5811838"/>
+            <a:off x="8724900" y="219075"/>
+            <a:ext cx="2628900" cy="3487103"/>
           </a:xfrm>
         </p:spPr>
         <p:txBody>
@@ -531,8 +526,8 @@
         </p:nvSpPr>
         <p:spPr>
           <a:xfrm>
-            <a:off x="754380" y="365125"/>
-            <a:ext cx="6960870" cy="5811838"/>
+            <a:off x="838200" y="219075"/>
+            <a:ext cx="7734300" cy="3487103"/>
           </a:xfrm>
         </p:spPr>
         <p:txBody>
@@ -591,9 +586,9 @@
           <a:bodyPr/>
           <a:lstStyle/>
           <a:p>
-            <a:fld id="{36803624-8ED7-D647-A91A-65E33D0C6F14}" type="datetimeFigureOut">
+            <a:fld id="{368CC5CE-77A5-F648-895D-B56A6D348C68}" type="datetimeFigureOut">
               <a:rPr lang="en-US" smtClean="0"/>
-              <a:t>9/11/20</a:t>
+              <a:t>9/30/20</a:t>
             </a:fld>
             <a:endParaRPr lang="en-US"/>
           </a:p>
@@ -633,7 +628,7 @@
           <a:bodyPr/>
           <a:lstStyle/>
           <a:p>
-            <a:fld id="{7768E68F-9CCE-D04E-B982-4C13A5889D00}" type="slidenum">
+            <a:fld id="{D340D7BD-3C35-8544-921E-E944BCC48069}" type="slidenum">
               <a:rPr lang="en-US" smtClean="0"/>
               <a:t>‹#›</a:t>
             </a:fld>
@@ -644,7 +639,7 @@
     </p:spTree>
     <p:extLst>
       <p:ext uri="{BB962C8B-B14F-4D97-AF65-F5344CB8AC3E}">
-        <p14:creationId xmlns:p14="http://schemas.microsoft.com/office/powerpoint/2010/main" val="3382948780"/>
+        <p14:creationId xmlns:p14="http://schemas.microsoft.com/office/powerpoint/2010/main" val="4102248087"/>
       </p:ext>
     </p:extLst>
   </p:cSld>
@@ -761,9 +756,9 @@
           <a:bodyPr/>
           <a:lstStyle/>
           <a:p>
-            <a:fld id="{36803624-8ED7-D647-A91A-65E33D0C6F14}" type="datetimeFigureOut">
+            <a:fld id="{368CC5CE-77A5-F648-895D-B56A6D348C68}" type="datetimeFigureOut">
               <a:rPr lang="en-US" smtClean="0"/>
-              <a:t>9/11/20</a:t>
+              <a:t>9/30/20</a:t>
             </a:fld>
             <a:endParaRPr lang="en-US"/>
           </a:p>
@@ -803,7 +798,7 @@
           <a:bodyPr/>
           <a:lstStyle/>
           <a:p>
-            <a:fld id="{7768E68F-9CCE-D04E-B982-4C13A5889D00}" type="slidenum">
+            <a:fld id="{D340D7BD-3C35-8544-921E-E944BCC48069}" type="slidenum">
               <a:rPr lang="en-US" smtClean="0"/>
               <a:t>‹#›</a:t>
             </a:fld>
@@ -814,7 +809,7 @@
     </p:spTree>
     <p:extLst>
       <p:ext uri="{BB962C8B-B14F-4D97-AF65-F5344CB8AC3E}">
-        <p14:creationId xmlns:p14="http://schemas.microsoft.com/office/powerpoint/2010/main" val="880808662"/>
+        <p14:creationId xmlns:p14="http://schemas.microsoft.com/office/powerpoint/2010/main" val="885637508"/>
       </p:ext>
     </p:extLst>
   </p:cSld>
@@ -853,15 +848,15 @@
         </p:nvSpPr>
         <p:spPr>
           <a:xfrm>
-            <a:off x="748665" y="1709739"/>
-            <a:ext cx="9464040" cy="2852737"/>
+            <a:off x="831850" y="1025843"/>
+            <a:ext cx="10515600" cy="1711642"/>
           </a:xfrm>
         </p:spPr>
         <p:txBody>
           <a:bodyPr anchor="b"/>
           <a:lstStyle>
             <a:lvl1pPr>
-              <a:defRPr sz="5400"/>
+              <a:defRPr sz="3600"/>
             </a:lvl1pPr>
           </a:lstStyle>
           <a:p>
@@ -885,8 +880,8 @@
         </p:nvSpPr>
         <p:spPr>
           <a:xfrm>
-            <a:off x="748665" y="4589464"/>
-            <a:ext cx="9464040" cy="1500187"/>
+            <a:off x="831850" y="2753678"/>
+            <a:ext cx="10515600" cy="900112"/>
           </a:xfrm>
         </p:spPr>
         <p:txBody>
@@ -894,7 +889,7 @@
           <a:lstStyle>
             <a:lvl1pPr marL="0" indent="0">
               <a:buNone/>
-              <a:defRPr sz="2160">
+              <a:defRPr sz="1440">
                 <a:solidFill>
                   <a:schemeClr val="tx1">
                     <a:tint val="75000"/>
@@ -902,9 +897,9 @@
                 </a:solidFill>
               </a:defRPr>
             </a:lvl1pPr>
-            <a:lvl2pPr marL="411480" indent="0">
-              <a:buNone/>
-              <a:defRPr sz="1800">
+            <a:lvl2pPr marL="274320" indent="0">
+              <a:buNone/>
+              <a:defRPr sz="1200">
                 <a:solidFill>
                   <a:schemeClr val="tx1">
                     <a:tint val="75000"/>
@@ -912,9 +907,9 @@
                 </a:solidFill>
               </a:defRPr>
             </a:lvl2pPr>
-            <a:lvl3pPr marL="822960" indent="0">
-              <a:buNone/>
-              <a:defRPr sz="1620">
+            <a:lvl3pPr marL="548640" indent="0">
+              <a:buNone/>
+              <a:defRPr sz="1080">
                 <a:solidFill>
                   <a:schemeClr val="tx1">
                     <a:tint val="75000"/>
@@ -922,9 +917,9 @@
                 </a:solidFill>
               </a:defRPr>
             </a:lvl3pPr>
-            <a:lvl4pPr marL="1234440" indent="0">
-              <a:buNone/>
-              <a:defRPr sz="1440">
+            <a:lvl4pPr marL="822960" indent="0">
+              <a:buNone/>
+              <a:defRPr sz="960">
                 <a:solidFill>
                   <a:schemeClr val="tx1">
                     <a:tint val="75000"/>
@@ -932,9 +927,9 @@
                 </a:solidFill>
               </a:defRPr>
             </a:lvl4pPr>
-            <a:lvl5pPr marL="1645920" indent="0">
-              <a:buNone/>
-              <a:defRPr sz="1440">
+            <a:lvl5pPr marL="1097280" indent="0">
+              <a:buNone/>
+              <a:defRPr sz="960">
                 <a:solidFill>
                   <a:schemeClr val="tx1">
                     <a:tint val="75000"/>
@@ -942,9 +937,9 @@
                 </a:solidFill>
               </a:defRPr>
             </a:lvl5pPr>
-            <a:lvl6pPr marL="2057400" indent="0">
-              <a:buNone/>
-              <a:defRPr sz="1440">
+            <a:lvl6pPr marL="1371600" indent="0">
+              <a:buNone/>
+              <a:defRPr sz="960">
                 <a:solidFill>
                   <a:schemeClr val="tx1">
                     <a:tint val="75000"/>
@@ -952,9 +947,9 @@
                 </a:solidFill>
               </a:defRPr>
             </a:lvl6pPr>
-            <a:lvl7pPr marL="2468880" indent="0">
-              <a:buNone/>
-              <a:defRPr sz="1440">
+            <a:lvl7pPr marL="1645920" indent="0">
+              <a:buNone/>
+              <a:defRPr sz="960">
                 <a:solidFill>
                   <a:schemeClr val="tx1">
                     <a:tint val="75000"/>
@@ -962,9 +957,9 @@
                 </a:solidFill>
               </a:defRPr>
             </a:lvl7pPr>
-            <a:lvl8pPr marL="2880360" indent="0">
-              <a:buNone/>
-              <a:defRPr sz="1440">
+            <a:lvl8pPr marL="1920240" indent="0">
+              <a:buNone/>
+              <a:defRPr sz="960">
                 <a:solidFill>
                   <a:schemeClr val="tx1">
                     <a:tint val="75000"/>
@@ -972,9 +967,9 @@
                 </a:solidFill>
               </a:defRPr>
             </a:lvl8pPr>
-            <a:lvl9pPr marL="3291840" indent="0">
-              <a:buNone/>
-              <a:defRPr sz="1440">
+            <a:lvl9pPr marL="2194560" indent="0">
+              <a:buNone/>
+              <a:defRPr sz="960">
                 <a:solidFill>
                   <a:schemeClr val="tx1">
                     <a:tint val="75000"/>
@@ -1007,9 +1002,9 @@
           <a:bodyPr/>
           <a:lstStyle/>
           <a:p>
-            <a:fld id="{36803624-8ED7-D647-A91A-65E33D0C6F14}" type="datetimeFigureOut">
+            <a:fld id="{368CC5CE-77A5-F648-895D-B56A6D348C68}" type="datetimeFigureOut">
               <a:rPr lang="en-US" smtClean="0"/>
-              <a:t>9/11/20</a:t>
+              <a:t>9/30/20</a:t>
             </a:fld>
             <a:endParaRPr lang="en-US"/>
           </a:p>
@@ -1049,7 +1044,7 @@
           <a:bodyPr/>
           <a:lstStyle/>
           <a:p>
-            <a:fld id="{7768E68F-9CCE-D04E-B982-4C13A5889D00}" type="slidenum">
+            <a:fld id="{D340D7BD-3C35-8544-921E-E944BCC48069}" type="slidenum">
               <a:rPr lang="en-US" smtClean="0"/>
               <a:t>‹#›</a:t>
             </a:fld>
@@ -1060,7 +1055,7 @@
     </p:spTree>
     <p:extLst>
       <p:ext uri="{BB962C8B-B14F-4D97-AF65-F5344CB8AC3E}">
-        <p14:creationId xmlns:p14="http://schemas.microsoft.com/office/powerpoint/2010/main" val="3171160179"/>
+        <p14:creationId xmlns:p14="http://schemas.microsoft.com/office/powerpoint/2010/main" val="2996308924"/>
       </p:ext>
     </p:extLst>
   </p:cSld>
@@ -1122,8 +1117,8 @@
         </p:nvSpPr>
         <p:spPr>
           <a:xfrm>
-            <a:off x="754380" y="1825625"/>
-            <a:ext cx="4663440" cy="4351338"/>
+            <a:off x="838200" y="1095375"/>
+            <a:ext cx="5181600" cy="2610803"/>
           </a:xfrm>
         </p:spPr>
         <p:txBody>
@@ -1179,8 +1174,8 @@
         </p:nvSpPr>
         <p:spPr>
           <a:xfrm>
-            <a:off x="5554980" y="1825625"/>
-            <a:ext cx="4663440" cy="4351338"/>
+            <a:off x="6172200" y="1095375"/>
+            <a:ext cx="5181600" cy="2610803"/>
           </a:xfrm>
         </p:spPr>
         <p:txBody>
@@ -1239,9 +1234,9 @@
           <a:bodyPr/>
           <a:lstStyle/>
           <a:p>
-            <a:fld id="{36803624-8ED7-D647-A91A-65E33D0C6F14}" type="datetimeFigureOut">
+            <a:fld id="{368CC5CE-77A5-F648-895D-B56A6D348C68}" type="datetimeFigureOut">
               <a:rPr lang="en-US" smtClean="0"/>
-              <a:t>9/11/20</a:t>
+              <a:t>9/30/20</a:t>
             </a:fld>
             <a:endParaRPr lang="en-US"/>
           </a:p>
@@ -1281,7 +1276,7 @@
           <a:bodyPr/>
           <a:lstStyle/>
           <a:p>
-            <a:fld id="{7768E68F-9CCE-D04E-B982-4C13A5889D00}" type="slidenum">
+            <a:fld id="{D340D7BD-3C35-8544-921E-E944BCC48069}" type="slidenum">
               <a:rPr lang="en-US" smtClean="0"/>
               <a:t>‹#›</a:t>
             </a:fld>
@@ -1292,7 +1287,7 @@
     </p:spTree>
     <p:extLst>
       <p:ext uri="{BB962C8B-B14F-4D97-AF65-F5344CB8AC3E}">
-        <p14:creationId xmlns:p14="http://schemas.microsoft.com/office/powerpoint/2010/main" val="3588191771"/>
+        <p14:creationId xmlns:p14="http://schemas.microsoft.com/office/powerpoint/2010/main" val="3486745916"/>
       </p:ext>
     </p:extLst>
   </p:cSld>
@@ -1331,8 +1326,8 @@
         </p:nvSpPr>
         <p:spPr>
           <a:xfrm>
-            <a:off x="755809" y="365126"/>
-            <a:ext cx="9464040" cy="1325563"/>
+            <a:off x="839788" y="219075"/>
+            <a:ext cx="10515600" cy="795338"/>
           </a:xfrm>
         </p:spPr>
         <p:txBody>
@@ -1359,8 +1354,8 @@
         </p:nvSpPr>
         <p:spPr>
           <a:xfrm>
-            <a:off x="755810" y="1681163"/>
-            <a:ext cx="4642008" cy="823912"/>
+            <a:off x="839789" y="1008698"/>
+            <a:ext cx="5157787" cy="494347"/>
           </a:xfrm>
         </p:spPr>
         <p:txBody>
@@ -1368,39 +1363,39 @@
           <a:lstStyle>
             <a:lvl1pPr marL="0" indent="0">
               <a:buNone/>
-              <a:defRPr sz="2160" b="1"/>
+              <a:defRPr sz="1440" b="1"/>
             </a:lvl1pPr>
-            <a:lvl2pPr marL="411480" indent="0">
-              <a:buNone/>
-              <a:defRPr sz="1800" b="1"/>
+            <a:lvl2pPr marL="274320" indent="0">
+              <a:buNone/>
+              <a:defRPr sz="1200" b="1"/>
             </a:lvl2pPr>
-            <a:lvl3pPr marL="822960" indent="0">
-              <a:buNone/>
-              <a:defRPr sz="1620" b="1"/>
+            <a:lvl3pPr marL="548640" indent="0">
+              <a:buNone/>
+              <a:defRPr sz="1080" b="1"/>
             </a:lvl3pPr>
-            <a:lvl4pPr marL="1234440" indent="0">
-              <a:buNone/>
-              <a:defRPr sz="1440" b="1"/>
+            <a:lvl4pPr marL="822960" indent="0">
+              <a:buNone/>
+              <a:defRPr sz="960" b="1"/>
             </a:lvl4pPr>
-            <a:lvl5pPr marL="1645920" indent="0">
-              <a:buNone/>
-              <a:defRPr sz="1440" b="1"/>
+            <a:lvl5pPr marL="1097280" indent="0">
+              <a:buNone/>
+              <a:defRPr sz="960" b="1"/>
             </a:lvl5pPr>
-            <a:lvl6pPr marL="2057400" indent="0">
-              <a:buNone/>
-              <a:defRPr sz="1440" b="1"/>
+            <a:lvl6pPr marL="1371600" indent="0">
+              <a:buNone/>
+              <a:defRPr sz="960" b="1"/>
             </a:lvl6pPr>
-            <a:lvl7pPr marL="2468880" indent="0">
-              <a:buNone/>
-              <a:defRPr sz="1440" b="1"/>
+            <a:lvl7pPr marL="1645920" indent="0">
+              <a:buNone/>
+              <a:defRPr sz="960" b="1"/>
             </a:lvl7pPr>
-            <a:lvl8pPr marL="2880360" indent="0">
-              <a:buNone/>
-              <a:defRPr sz="1440" b="1"/>
+            <a:lvl8pPr marL="1920240" indent="0">
+              <a:buNone/>
+              <a:defRPr sz="960" b="1"/>
             </a:lvl8pPr>
-            <a:lvl9pPr marL="3291840" indent="0">
-              <a:buNone/>
-              <a:defRPr sz="1440" b="1"/>
+            <a:lvl9pPr marL="2194560" indent="0">
+              <a:buNone/>
+              <a:defRPr sz="960" b="1"/>
             </a:lvl9pPr>
           </a:lstStyle>
           <a:p>
@@ -1424,8 +1419,8 @@
         </p:nvSpPr>
         <p:spPr>
           <a:xfrm>
-            <a:off x="755810" y="2505075"/>
-            <a:ext cx="4642008" cy="3684588"/>
+            <a:off x="839789" y="1503045"/>
+            <a:ext cx="5157787" cy="2210753"/>
           </a:xfrm>
         </p:spPr>
         <p:txBody>
@@ -1481,8 +1476,8 @@
         </p:nvSpPr>
         <p:spPr>
           <a:xfrm>
-            <a:off x="5554980" y="1681163"/>
-            <a:ext cx="4664869" cy="823912"/>
+            <a:off x="6172200" y="1008698"/>
+            <a:ext cx="5183188" cy="494347"/>
           </a:xfrm>
         </p:spPr>
         <p:txBody>
@@ -1490,39 +1485,39 @@
           <a:lstStyle>
             <a:lvl1pPr marL="0" indent="0">
               <a:buNone/>
-              <a:defRPr sz="2160" b="1"/>
+              <a:defRPr sz="1440" b="1"/>
             </a:lvl1pPr>
-            <a:lvl2pPr marL="411480" indent="0">
-              <a:buNone/>
-              <a:defRPr sz="1800" b="1"/>
+            <a:lvl2pPr marL="274320" indent="0">
+              <a:buNone/>
+              <a:defRPr sz="1200" b="1"/>
             </a:lvl2pPr>
-            <a:lvl3pPr marL="822960" indent="0">
-              <a:buNone/>
-              <a:defRPr sz="1620" b="1"/>
+            <a:lvl3pPr marL="548640" indent="0">
+              <a:buNone/>
+              <a:defRPr sz="1080" b="1"/>
             </a:lvl3pPr>
-            <a:lvl4pPr marL="1234440" indent="0">
-              <a:buNone/>
-              <a:defRPr sz="1440" b="1"/>
+            <a:lvl4pPr marL="822960" indent="0">
+              <a:buNone/>
+              <a:defRPr sz="960" b="1"/>
             </a:lvl4pPr>
-            <a:lvl5pPr marL="1645920" indent="0">
-              <a:buNone/>
-              <a:defRPr sz="1440" b="1"/>
+            <a:lvl5pPr marL="1097280" indent="0">
+              <a:buNone/>
+              <a:defRPr sz="960" b="1"/>
             </a:lvl5pPr>
-            <a:lvl6pPr marL="2057400" indent="0">
-              <a:buNone/>
-              <a:defRPr sz="1440" b="1"/>
+            <a:lvl6pPr marL="1371600" indent="0">
+              <a:buNone/>
+              <a:defRPr sz="960" b="1"/>
             </a:lvl6pPr>
-            <a:lvl7pPr marL="2468880" indent="0">
-              <a:buNone/>
-              <a:defRPr sz="1440" b="1"/>
+            <a:lvl7pPr marL="1645920" indent="0">
+              <a:buNone/>
+              <a:defRPr sz="960" b="1"/>
             </a:lvl7pPr>
-            <a:lvl8pPr marL="2880360" indent="0">
-              <a:buNone/>
-              <a:defRPr sz="1440" b="1"/>
+            <a:lvl8pPr marL="1920240" indent="0">
+              <a:buNone/>
+              <a:defRPr sz="960" b="1"/>
             </a:lvl8pPr>
-            <a:lvl9pPr marL="3291840" indent="0">
-              <a:buNone/>
-              <a:defRPr sz="1440" b="1"/>
+            <a:lvl9pPr marL="2194560" indent="0">
+              <a:buNone/>
+              <a:defRPr sz="960" b="1"/>
             </a:lvl9pPr>
           </a:lstStyle>
           <a:p>
@@ -1546,8 +1541,8 @@
         </p:nvSpPr>
         <p:spPr>
           <a:xfrm>
-            <a:off x="5554980" y="2505075"/>
-            <a:ext cx="4664869" cy="3684588"/>
+            <a:off x="6172200" y="1503045"/>
+            <a:ext cx="5183188" cy="2210753"/>
           </a:xfrm>
         </p:spPr>
         <p:txBody>
@@ -1606,9 +1601,9 @@
           <a:bodyPr/>
           <a:lstStyle/>
           <a:p>
-            <a:fld id="{36803624-8ED7-D647-A91A-65E33D0C6F14}" type="datetimeFigureOut">
+            <a:fld id="{368CC5CE-77A5-F648-895D-B56A6D348C68}" type="datetimeFigureOut">
               <a:rPr lang="en-US" smtClean="0"/>
-              <a:t>9/11/20</a:t>
+              <a:t>9/30/20</a:t>
             </a:fld>
             <a:endParaRPr lang="en-US"/>
           </a:p>
@@ -1648,7 +1643,7 @@
           <a:bodyPr/>
           <a:lstStyle/>
           <a:p>
-            <a:fld id="{7768E68F-9CCE-D04E-B982-4C13A5889D00}" type="slidenum">
+            <a:fld id="{D340D7BD-3C35-8544-921E-E944BCC48069}" type="slidenum">
               <a:rPr lang="en-US" smtClean="0"/>
               <a:t>‹#›</a:t>
             </a:fld>
@@ -1659,7 +1654,7 @@
     </p:spTree>
     <p:extLst>
       <p:ext uri="{BB962C8B-B14F-4D97-AF65-F5344CB8AC3E}">
-        <p14:creationId xmlns:p14="http://schemas.microsoft.com/office/powerpoint/2010/main" val="3464942794"/>
+        <p14:creationId xmlns:p14="http://schemas.microsoft.com/office/powerpoint/2010/main" val="3004945378"/>
       </p:ext>
     </p:extLst>
   </p:cSld>
@@ -1724,9 +1719,9 @@
           <a:bodyPr/>
           <a:lstStyle/>
           <a:p>
-            <a:fld id="{36803624-8ED7-D647-A91A-65E33D0C6F14}" type="datetimeFigureOut">
+            <a:fld id="{368CC5CE-77A5-F648-895D-B56A6D348C68}" type="datetimeFigureOut">
               <a:rPr lang="en-US" smtClean="0"/>
-              <a:t>9/11/20</a:t>
+              <a:t>9/30/20</a:t>
             </a:fld>
             <a:endParaRPr lang="en-US"/>
           </a:p>
@@ -1766,7 +1761,7 @@
           <a:bodyPr/>
           <a:lstStyle/>
           <a:p>
-            <a:fld id="{7768E68F-9CCE-D04E-B982-4C13A5889D00}" type="slidenum">
+            <a:fld id="{D340D7BD-3C35-8544-921E-E944BCC48069}" type="slidenum">
               <a:rPr lang="en-US" smtClean="0"/>
               <a:t>‹#›</a:t>
             </a:fld>
@@ -1777,7 +1772,7 @@
     </p:spTree>
     <p:extLst>
       <p:ext uri="{BB962C8B-B14F-4D97-AF65-F5344CB8AC3E}">
-        <p14:creationId xmlns:p14="http://schemas.microsoft.com/office/powerpoint/2010/main" val="2319234470"/>
+        <p14:creationId xmlns:p14="http://schemas.microsoft.com/office/powerpoint/2010/main" val="2346782423"/>
       </p:ext>
     </p:extLst>
   </p:cSld>
@@ -1819,9 +1814,9 @@
           <a:bodyPr/>
           <a:lstStyle/>
           <a:p>
-            <a:fld id="{36803624-8ED7-D647-A91A-65E33D0C6F14}" type="datetimeFigureOut">
+            <a:fld id="{368CC5CE-77A5-F648-895D-B56A6D348C68}" type="datetimeFigureOut">
               <a:rPr lang="en-US" smtClean="0"/>
-              <a:t>9/11/20</a:t>
+              <a:t>9/30/20</a:t>
             </a:fld>
             <a:endParaRPr lang="en-US"/>
           </a:p>
@@ -1861,7 +1856,7 @@
           <a:bodyPr/>
           <a:lstStyle/>
           <a:p>
-            <a:fld id="{7768E68F-9CCE-D04E-B982-4C13A5889D00}" type="slidenum">
+            <a:fld id="{D340D7BD-3C35-8544-921E-E944BCC48069}" type="slidenum">
               <a:rPr lang="en-US" smtClean="0"/>
               <a:t>‹#›</a:t>
             </a:fld>
@@ -1872,7 +1867,7 @@
     </p:spTree>
     <p:extLst>
       <p:ext uri="{BB962C8B-B14F-4D97-AF65-F5344CB8AC3E}">
-        <p14:creationId xmlns:p14="http://schemas.microsoft.com/office/powerpoint/2010/main" val="244505916"/>
+        <p14:creationId xmlns:p14="http://schemas.microsoft.com/office/powerpoint/2010/main" val="2581380954"/>
       </p:ext>
     </p:extLst>
   </p:cSld>
@@ -1911,15 +1906,15 @@
         </p:nvSpPr>
         <p:spPr>
           <a:xfrm>
-            <a:off x="755810" y="457200"/>
-            <a:ext cx="3539013" cy="1600200"/>
+            <a:off x="839789" y="274320"/>
+            <a:ext cx="3932237" cy="960120"/>
           </a:xfrm>
         </p:spPr>
         <p:txBody>
           <a:bodyPr anchor="b"/>
           <a:lstStyle>
             <a:lvl1pPr>
-              <a:defRPr sz="2880"/>
+              <a:defRPr sz="1920"/>
             </a:lvl1pPr>
           </a:lstStyle>
           <a:p>
@@ -1943,39 +1938,39 @@
         </p:nvSpPr>
         <p:spPr>
           <a:xfrm>
-            <a:off x="4664869" y="987426"/>
-            <a:ext cx="5554980" cy="4873625"/>
+            <a:off x="5183188" y="592455"/>
+            <a:ext cx="6172200" cy="2924175"/>
           </a:xfrm>
         </p:spPr>
         <p:txBody>
           <a:bodyPr/>
           <a:lstStyle>
             <a:lvl1pPr>
-              <a:defRPr sz="2880"/>
+              <a:defRPr sz="1920"/>
             </a:lvl1pPr>
             <a:lvl2pPr>
-              <a:defRPr sz="2520"/>
+              <a:defRPr sz="1680"/>
             </a:lvl2pPr>
             <a:lvl3pPr>
-              <a:defRPr sz="2160"/>
+              <a:defRPr sz="1440"/>
             </a:lvl3pPr>
             <a:lvl4pPr>
-              <a:defRPr sz="1800"/>
+              <a:defRPr sz="1200"/>
             </a:lvl4pPr>
             <a:lvl5pPr>
-              <a:defRPr sz="1800"/>
+              <a:defRPr sz="1200"/>
             </a:lvl5pPr>
             <a:lvl6pPr>
-              <a:defRPr sz="1800"/>
+              <a:defRPr sz="1200"/>
             </a:lvl6pPr>
             <a:lvl7pPr>
-              <a:defRPr sz="1800"/>
+              <a:defRPr sz="1200"/>
             </a:lvl7pPr>
             <a:lvl8pPr>
-              <a:defRPr sz="1800"/>
+              <a:defRPr sz="1200"/>
             </a:lvl8pPr>
             <a:lvl9pPr>
-              <a:defRPr sz="1800"/>
+              <a:defRPr sz="1200"/>
             </a:lvl9pPr>
           </a:lstStyle>
           <a:p>
@@ -2028,8 +2023,8 @@
         </p:nvSpPr>
         <p:spPr>
           <a:xfrm>
-            <a:off x="755810" y="2057400"/>
-            <a:ext cx="3539013" cy="3811588"/>
+            <a:off x="839789" y="1234440"/>
+            <a:ext cx="3932237" cy="2286953"/>
           </a:xfrm>
         </p:spPr>
         <p:txBody>
@@ -2037,39 +2032,39 @@
           <a:lstStyle>
             <a:lvl1pPr marL="0" indent="0">
               <a:buNone/>
-              <a:defRPr sz="1440"/>
+              <a:defRPr sz="960"/>
             </a:lvl1pPr>
-            <a:lvl2pPr marL="411480" indent="0">
-              <a:buNone/>
-              <a:defRPr sz="1260"/>
+            <a:lvl2pPr marL="274320" indent="0">
+              <a:buNone/>
+              <a:defRPr sz="840"/>
             </a:lvl2pPr>
-            <a:lvl3pPr marL="822960" indent="0">
-              <a:buNone/>
-              <a:defRPr sz="1080"/>
+            <a:lvl3pPr marL="548640" indent="0">
+              <a:buNone/>
+              <a:defRPr sz="720"/>
             </a:lvl3pPr>
-            <a:lvl4pPr marL="1234440" indent="0">
-              <a:buNone/>
-              <a:defRPr sz="900"/>
+            <a:lvl4pPr marL="822960" indent="0">
+              <a:buNone/>
+              <a:defRPr sz="600"/>
             </a:lvl4pPr>
-            <a:lvl5pPr marL="1645920" indent="0">
-              <a:buNone/>
-              <a:defRPr sz="900"/>
+            <a:lvl5pPr marL="1097280" indent="0">
+              <a:buNone/>
+              <a:defRPr sz="600"/>
             </a:lvl5pPr>
-            <a:lvl6pPr marL="2057400" indent="0">
-              <a:buNone/>
-              <a:defRPr sz="900"/>
+            <a:lvl6pPr marL="1371600" indent="0">
+              <a:buNone/>
+              <a:defRPr sz="600"/>
             </a:lvl6pPr>
-            <a:lvl7pPr marL="2468880" indent="0">
-              <a:buNone/>
-              <a:defRPr sz="900"/>
+            <a:lvl7pPr marL="1645920" indent="0">
+              <a:buNone/>
+              <a:defRPr sz="600"/>
             </a:lvl7pPr>
-            <a:lvl8pPr marL="2880360" indent="0">
-              <a:buNone/>
-              <a:defRPr sz="900"/>
+            <a:lvl8pPr marL="1920240" indent="0">
+              <a:buNone/>
+              <a:defRPr sz="600"/>
             </a:lvl8pPr>
-            <a:lvl9pPr marL="3291840" indent="0">
-              <a:buNone/>
-              <a:defRPr sz="900"/>
+            <a:lvl9pPr marL="2194560" indent="0">
+              <a:buNone/>
+              <a:defRPr sz="600"/>
             </a:lvl9pPr>
           </a:lstStyle>
           <a:p>
@@ -2096,9 +2091,9 @@
           <a:bodyPr/>
           <a:lstStyle/>
           <a:p>
-            <a:fld id="{36803624-8ED7-D647-A91A-65E33D0C6F14}" type="datetimeFigureOut">
+            <a:fld id="{368CC5CE-77A5-F648-895D-B56A6D348C68}" type="datetimeFigureOut">
               <a:rPr lang="en-US" smtClean="0"/>
-              <a:t>9/11/20</a:t>
+              <a:t>9/30/20</a:t>
             </a:fld>
             <a:endParaRPr lang="en-US"/>
           </a:p>
@@ -2138,7 +2133,7 @@
           <a:bodyPr/>
           <a:lstStyle/>
           <a:p>
-            <a:fld id="{7768E68F-9CCE-D04E-B982-4C13A5889D00}" type="slidenum">
+            <a:fld id="{D340D7BD-3C35-8544-921E-E944BCC48069}" type="slidenum">
               <a:rPr lang="en-US" smtClean="0"/>
               <a:t>‹#›</a:t>
             </a:fld>
@@ -2149,7 +2144,7 @@
     </p:spTree>
     <p:extLst>
       <p:ext uri="{BB962C8B-B14F-4D97-AF65-F5344CB8AC3E}">
-        <p14:creationId xmlns:p14="http://schemas.microsoft.com/office/powerpoint/2010/main" val="2934241673"/>
+        <p14:creationId xmlns:p14="http://schemas.microsoft.com/office/powerpoint/2010/main" val="4183936168"/>
       </p:ext>
     </p:extLst>
   </p:cSld>
@@ -2188,15 +2183,15 @@
         </p:nvSpPr>
         <p:spPr>
           <a:xfrm>
-            <a:off x="755810" y="457200"/>
-            <a:ext cx="3539013" cy="1600200"/>
+            <a:off x="839789" y="274320"/>
+            <a:ext cx="3932237" cy="960120"/>
           </a:xfrm>
         </p:spPr>
         <p:txBody>
           <a:bodyPr anchor="b"/>
           <a:lstStyle>
             <a:lvl1pPr>
-              <a:defRPr sz="2880"/>
+              <a:defRPr sz="1920"/>
             </a:lvl1pPr>
           </a:lstStyle>
           <a:p>
@@ -2220,8 +2215,8 @@
         </p:nvSpPr>
         <p:spPr>
           <a:xfrm>
-            <a:off x="4664869" y="987426"/>
-            <a:ext cx="5554980" cy="4873625"/>
+            <a:off x="5183188" y="592455"/>
+            <a:ext cx="6172200" cy="2924175"/>
           </a:xfrm>
         </p:spPr>
         <p:txBody>
@@ -2229,39 +2224,39 @@
           <a:lstStyle>
             <a:lvl1pPr marL="0" indent="0">
               <a:buNone/>
-              <a:defRPr sz="2880"/>
+              <a:defRPr sz="1920"/>
             </a:lvl1pPr>
-            <a:lvl2pPr marL="411480" indent="0">
-              <a:buNone/>
-              <a:defRPr sz="2520"/>
+            <a:lvl2pPr marL="274320" indent="0">
+              <a:buNone/>
+              <a:defRPr sz="1680"/>
             </a:lvl2pPr>
-            <a:lvl3pPr marL="822960" indent="0">
-              <a:buNone/>
-              <a:defRPr sz="2160"/>
+            <a:lvl3pPr marL="548640" indent="0">
+              <a:buNone/>
+              <a:defRPr sz="1440"/>
             </a:lvl3pPr>
-            <a:lvl4pPr marL="1234440" indent="0">
-              <a:buNone/>
-              <a:defRPr sz="1800"/>
+            <a:lvl4pPr marL="822960" indent="0">
+              <a:buNone/>
+              <a:defRPr sz="1200"/>
             </a:lvl4pPr>
-            <a:lvl5pPr marL="1645920" indent="0">
-              <a:buNone/>
-              <a:defRPr sz="1800"/>
+            <a:lvl5pPr marL="1097280" indent="0">
+              <a:buNone/>
+              <a:defRPr sz="1200"/>
             </a:lvl5pPr>
-            <a:lvl6pPr marL="2057400" indent="0">
-              <a:buNone/>
-              <a:defRPr sz="1800"/>
+            <a:lvl6pPr marL="1371600" indent="0">
+              <a:buNone/>
+              <a:defRPr sz="1200"/>
             </a:lvl6pPr>
-            <a:lvl7pPr marL="2468880" indent="0">
-              <a:buNone/>
-              <a:defRPr sz="1800"/>
+            <a:lvl7pPr marL="1645920" indent="0">
+              <a:buNone/>
+              <a:defRPr sz="1200"/>
             </a:lvl7pPr>
-            <a:lvl8pPr marL="2880360" indent="0">
-              <a:buNone/>
-              <a:defRPr sz="1800"/>
+            <a:lvl8pPr marL="1920240" indent="0">
+              <a:buNone/>
+              <a:defRPr sz="1200"/>
             </a:lvl8pPr>
-            <a:lvl9pPr marL="3291840" indent="0">
-              <a:buNone/>
-              <a:defRPr sz="1800"/>
+            <a:lvl9pPr marL="2194560" indent="0">
+              <a:buNone/>
+              <a:defRPr sz="1200"/>
             </a:lvl9pPr>
           </a:lstStyle>
           <a:p>
@@ -2285,8 +2280,8 @@
         </p:nvSpPr>
         <p:spPr>
           <a:xfrm>
-            <a:off x="755810" y="2057400"/>
-            <a:ext cx="3539013" cy="3811588"/>
+            <a:off x="839789" y="1234440"/>
+            <a:ext cx="3932237" cy="2286953"/>
           </a:xfrm>
         </p:spPr>
         <p:txBody>
@@ -2294,39 +2289,39 @@
           <a:lstStyle>
             <a:lvl1pPr marL="0" indent="0">
               <a:buNone/>
-              <a:defRPr sz="1440"/>
+              <a:defRPr sz="960"/>
             </a:lvl1pPr>
-            <a:lvl2pPr marL="411480" indent="0">
-              <a:buNone/>
-              <a:defRPr sz="1260"/>
+            <a:lvl2pPr marL="274320" indent="0">
+              <a:buNone/>
+              <a:defRPr sz="840"/>
             </a:lvl2pPr>
-            <a:lvl3pPr marL="822960" indent="0">
-              <a:buNone/>
-              <a:defRPr sz="1080"/>
+            <a:lvl3pPr marL="548640" indent="0">
+              <a:buNone/>
+              <a:defRPr sz="720"/>
             </a:lvl3pPr>
-            <a:lvl4pPr marL="1234440" indent="0">
-              <a:buNone/>
-              <a:defRPr sz="900"/>
+            <a:lvl4pPr marL="822960" indent="0">
+              <a:buNone/>
+              <a:defRPr sz="600"/>
             </a:lvl4pPr>
-            <a:lvl5pPr marL="1645920" indent="0">
-              <a:buNone/>
-              <a:defRPr sz="900"/>
+            <a:lvl5pPr marL="1097280" indent="0">
+              <a:buNone/>
+              <a:defRPr sz="600"/>
             </a:lvl5pPr>
-            <a:lvl6pPr marL="2057400" indent="0">
-              <a:buNone/>
-              <a:defRPr sz="900"/>
+            <a:lvl6pPr marL="1371600" indent="0">
+              <a:buNone/>
+              <a:defRPr sz="600"/>
             </a:lvl6pPr>
-            <a:lvl7pPr marL="2468880" indent="0">
-              <a:buNone/>
-              <a:defRPr sz="900"/>
+            <a:lvl7pPr marL="1645920" indent="0">
+              <a:buNone/>
+              <a:defRPr sz="600"/>
             </a:lvl7pPr>
-            <a:lvl8pPr marL="2880360" indent="0">
-              <a:buNone/>
-              <a:defRPr sz="900"/>
+            <a:lvl8pPr marL="1920240" indent="0">
+              <a:buNone/>
+              <a:defRPr sz="600"/>
             </a:lvl8pPr>
-            <a:lvl9pPr marL="3291840" indent="0">
-              <a:buNone/>
-              <a:defRPr sz="900"/>
+            <a:lvl9pPr marL="2194560" indent="0">
+              <a:buNone/>
+              <a:defRPr sz="600"/>
             </a:lvl9pPr>
           </a:lstStyle>
           <a:p>
@@ -2353,9 +2348,9 @@
           <a:bodyPr/>
           <a:lstStyle/>
           <a:p>
-            <a:fld id="{36803624-8ED7-D647-A91A-65E33D0C6F14}" type="datetimeFigureOut">
+            <a:fld id="{368CC5CE-77A5-F648-895D-B56A6D348C68}" type="datetimeFigureOut">
               <a:rPr lang="en-US" smtClean="0"/>
-              <a:t>9/11/20</a:t>
+              <a:t>9/30/20</a:t>
             </a:fld>
             <a:endParaRPr lang="en-US"/>
           </a:p>
@@ -2395,7 +2390,7 @@
           <a:bodyPr/>
           <a:lstStyle/>
           <a:p>
-            <a:fld id="{7768E68F-9CCE-D04E-B982-4C13A5889D00}" type="slidenum">
+            <a:fld id="{D340D7BD-3C35-8544-921E-E944BCC48069}" type="slidenum">
               <a:rPr lang="en-US" smtClean="0"/>
               <a:t>‹#›</a:t>
             </a:fld>
@@ -2406,7 +2401,7 @@
     </p:spTree>
     <p:extLst>
       <p:ext uri="{BB962C8B-B14F-4D97-AF65-F5344CB8AC3E}">
-        <p14:creationId xmlns:p14="http://schemas.microsoft.com/office/powerpoint/2010/main" val="2786882988"/>
+        <p14:creationId xmlns:p14="http://schemas.microsoft.com/office/powerpoint/2010/main" val="3334355533"/>
       </p:ext>
     </p:extLst>
   </p:cSld>
@@ -2450,8 +2445,8 @@
         </p:nvSpPr>
         <p:spPr>
           <a:xfrm>
-            <a:off x="754380" y="365126"/>
-            <a:ext cx="9464040" cy="1325563"/>
+            <a:off x="838200" y="219075"/>
+            <a:ext cx="10515600" cy="795338"/>
           </a:xfrm>
           <a:prstGeom prst="rect">
             <a:avLst/>
@@ -2483,8 +2478,8 @@
         </p:nvSpPr>
         <p:spPr>
           <a:xfrm>
-            <a:off x="754380" y="1825625"/>
-            <a:ext cx="9464040" cy="4351338"/>
+            <a:off x="838200" y="1095375"/>
+            <a:ext cx="10515600" cy="2610803"/>
           </a:xfrm>
           <a:prstGeom prst="rect">
             <a:avLst/>
@@ -2545,8 +2540,8 @@
         </p:nvSpPr>
         <p:spPr>
           <a:xfrm>
-            <a:off x="754380" y="6356351"/>
-            <a:ext cx="2468880" cy="365125"/>
+            <a:off x="838200" y="3813810"/>
+            <a:ext cx="2743200" cy="219075"/>
           </a:xfrm>
           <a:prstGeom prst="rect">
             <a:avLst/>
@@ -2556,7 +2551,7 @@
           <a:bodyPr vert="horz" lIns="91440" tIns="45720" rIns="91440" bIns="45720" rtlCol="0" anchor="ctr"/>
           <a:lstStyle>
             <a:lvl1pPr algn="l">
-              <a:defRPr sz="1080">
+              <a:defRPr sz="720">
                 <a:solidFill>
                   <a:schemeClr val="tx1">
                     <a:tint val="75000"/>
@@ -2566,9 +2561,9 @@
             </a:lvl1pPr>
           </a:lstStyle>
           <a:p>
-            <a:fld id="{36803624-8ED7-D647-A91A-65E33D0C6F14}" type="datetimeFigureOut">
+            <a:fld id="{368CC5CE-77A5-F648-895D-B56A6D348C68}" type="datetimeFigureOut">
               <a:rPr lang="en-US" smtClean="0"/>
-              <a:t>9/11/20</a:t>
+              <a:t>9/30/20</a:t>
             </a:fld>
             <a:endParaRPr lang="en-US"/>
           </a:p>
@@ -2586,8 +2581,8 @@
         </p:nvSpPr>
         <p:spPr>
           <a:xfrm>
-            <a:off x="3634740" y="6356351"/>
-            <a:ext cx="3703320" cy="365125"/>
+            <a:off x="4038600" y="3813810"/>
+            <a:ext cx="4114800" cy="219075"/>
           </a:xfrm>
           <a:prstGeom prst="rect">
             <a:avLst/>
@@ -2597,7 +2592,7 @@
           <a:bodyPr vert="horz" lIns="91440" tIns="45720" rIns="91440" bIns="45720" rtlCol="0" anchor="ctr"/>
           <a:lstStyle>
             <a:lvl1pPr algn="ctr">
-              <a:defRPr sz="1080">
+              <a:defRPr sz="720">
                 <a:solidFill>
                   <a:schemeClr val="tx1">
                     <a:tint val="75000"/>
@@ -2623,8 +2618,8 @@
         </p:nvSpPr>
         <p:spPr>
           <a:xfrm>
-            <a:off x="7749540" y="6356351"/>
-            <a:ext cx="2468880" cy="365125"/>
+            <a:off x="8610600" y="3813810"/>
+            <a:ext cx="2743200" cy="219075"/>
           </a:xfrm>
           <a:prstGeom prst="rect">
             <a:avLst/>
@@ -2634,7 +2629,7 @@
           <a:bodyPr vert="horz" lIns="91440" tIns="45720" rIns="91440" bIns="45720" rtlCol="0" anchor="ctr"/>
           <a:lstStyle>
             <a:lvl1pPr algn="r">
-              <a:defRPr sz="1080">
+              <a:defRPr sz="720">
                 <a:solidFill>
                   <a:schemeClr val="tx1">
                     <a:tint val="75000"/>
@@ -2644,7 +2639,7 @@
             </a:lvl1pPr>
           </a:lstStyle>
           <a:p>
-            <a:fld id="{7768E68F-9CCE-D04E-B982-4C13A5889D00}" type="slidenum">
+            <a:fld id="{D340D7BD-3C35-8544-921E-E944BCC48069}" type="slidenum">
               <a:rPr lang="en-US" smtClean="0"/>
               <a:t>‹#›</a:t>
             </a:fld>
@@ -2655,7 +2650,7 @@
     </p:spTree>
     <p:extLst>
       <p:ext uri="{BB962C8B-B14F-4D97-AF65-F5344CB8AC3E}">
-        <p14:creationId xmlns:p14="http://schemas.microsoft.com/office/powerpoint/2010/main" val="3147967412"/>
+        <p14:creationId xmlns:p14="http://schemas.microsoft.com/office/powerpoint/2010/main" val="3001738351"/>
       </p:ext>
     </p:extLst>
   </p:cSld>
@@ -2675,7 +2670,7 @@
   </p:sldLayoutIdLst>
   <p:txStyles>
     <p:titleStyle>
-      <a:lvl1pPr algn="l" defTabSz="822960" rtl="0" eaLnBrk="1" latinLnBrk="0" hangingPunct="1">
+      <a:lvl1pPr algn="l" defTabSz="548640" rtl="0" eaLnBrk="1" latinLnBrk="0" hangingPunct="1">
         <a:lnSpc>
           <a:spcPct val="90000"/>
         </a:lnSpc>
@@ -2683,7 +2678,7 @@
           <a:spcPct val="0"/>
         </a:spcBef>
         <a:buNone/>
-        <a:defRPr sz="3960" kern="1200">
+        <a:defRPr sz="2640" kern="1200">
           <a:solidFill>
             <a:schemeClr val="tx1"/>
           </a:solidFill>
@@ -2694,16 +2689,16 @@
       </a:lvl1pPr>
     </p:titleStyle>
     <p:bodyStyle>
-      <a:lvl1pPr marL="205740" indent="-205740" algn="l" defTabSz="822960" rtl="0" eaLnBrk="1" latinLnBrk="0" hangingPunct="1">
+      <a:lvl1pPr marL="137160" indent="-137160" algn="l" defTabSz="548640" rtl="0" eaLnBrk="1" latinLnBrk="0" hangingPunct="1">
         <a:lnSpc>
           <a:spcPct val="90000"/>
         </a:lnSpc>
         <a:spcBef>
-          <a:spcPts val="900"/>
+          <a:spcPts val="600"/>
         </a:spcBef>
         <a:buFont typeface="Arial" panose="020B0604020202020204" pitchFamily="34" charset="0"/>
         <a:buChar char="•"/>
-        <a:defRPr sz="2520" kern="1200">
+        <a:defRPr sz="1680" kern="1200">
           <a:solidFill>
             <a:schemeClr val="tx1"/>
           </a:solidFill>
@@ -2712,16 +2707,16 @@
           <a:cs typeface="+mn-cs"/>
         </a:defRPr>
       </a:lvl1pPr>
-      <a:lvl2pPr marL="617220" indent="-205740" algn="l" defTabSz="822960" rtl="0" eaLnBrk="1" latinLnBrk="0" hangingPunct="1">
+      <a:lvl2pPr marL="411480" indent="-137160" algn="l" defTabSz="548640" rtl="0" eaLnBrk="1" latinLnBrk="0" hangingPunct="1">
         <a:lnSpc>
           <a:spcPct val="90000"/>
         </a:lnSpc>
         <a:spcBef>
-          <a:spcPts val="450"/>
+          <a:spcPts val="300"/>
         </a:spcBef>
         <a:buFont typeface="Arial" panose="020B0604020202020204" pitchFamily="34" charset="0"/>
         <a:buChar char="•"/>
-        <a:defRPr sz="2160" kern="1200">
+        <a:defRPr sz="1440" kern="1200">
           <a:solidFill>
             <a:schemeClr val="tx1"/>
           </a:solidFill>
@@ -2730,16 +2725,16 @@
           <a:cs typeface="+mn-cs"/>
         </a:defRPr>
       </a:lvl2pPr>
-      <a:lvl3pPr marL="1028700" indent="-205740" algn="l" defTabSz="822960" rtl="0" eaLnBrk="1" latinLnBrk="0" hangingPunct="1">
+      <a:lvl3pPr marL="685800" indent="-137160" algn="l" defTabSz="548640" rtl="0" eaLnBrk="1" latinLnBrk="0" hangingPunct="1">
         <a:lnSpc>
           <a:spcPct val="90000"/>
         </a:lnSpc>
         <a:spcBef>
-          <a:spcPts val="450"/>
+          <a:spcPts val="300"/>
         </a:spcBef>
         <a:buFont typeface="Arial" panose="020B0604020202020204" pitchFamily="34" charset="0"/>
         <a:buChar char="•"/>
-        <a:defRPr sz="1800" kern="1200">
+        <a:defRPr sz="1200" kern="1200">
           <a:solidFill>
             <a:schemeClr val="tx1"/>
           </a:solidFill>
@@ -2748,16 +2743,16 @@
           <a:cs typeface="+mn-cs"/>
         </a:defRPr>
       </a:lvl3pPr>
-      <a:lvl4pPr marL="1440180" indent="-205740" algn="l" defTabSz="822960" rtl="0" eaLnBrk="1" latinLnBrk="0" hangingPunct="1">
+      <a:lvl4pPr marL="960120" indent="-137160" algn="l" defTabSz="548640" rtl="0" eaLnBrk="1" latinLnBrk="0" hangingPunct="1">
         <a:lnSpc>
           <a:spcPct val="90000"/>
         </a:lnSpc>
         <a:spcBef>
-          <a:spcPts val="450"/>
+          <a:spcPts val="300"/>
         </a:spcBef>
         <a:buFont typeface="Arial" panose="020B0604020202020204" pitchFamily="34" charset="0"/>
         <a:buChar char="•"/>
-        <a:defRPr sz="1620" kern="1200">
+        <a:defRPr sz="1080" kern="1200">
           <a:solidFill>
             <a:schemeClr val="tx1"/>
           </a:solidFill>
@@ -2766,16 +2761,16 @@
           <a:cs typeface="+mn-cs"/>
         </a:defRPr>
       </a:lvl4pPr>
-      <a:lvl5pPr marL="1851660" indent="-205740" algn="l" defTabSz="822960" rtl="0" eaLnBrk="1" latinLnBrk="0" hangingPunct="1">
+      <a:lvl5pPr marL="1234440" indent="-137160" algn="l" defTabSz="548640" rtl="0" eaLnBrk="1" latinLnBrk="0" hangingPunct="1">
         <a:lnSpc>
           <a:spcPct val="90000"/>
         </a:lnSpc>
         <a:spcBef>
-          <a:spcPts val="450"/>
+          <a:spcPts val="300"/>
         </a:spcBef>
         <a:buFont typeface="Arial" panose="020B0604020202020204" pitchFamily="34" charset="0"/>
         <a:buChar char="•"/>
-        <a:defRPr sz="1620" kern="1200">
+        <a:defRPr sz="1080" kern="1200">
           <a:solidFill>
             <a:schemeClr val="tx1"/>
           </a:solidFill>
@@ -2784,16 +2779,16 @@
           <a:cs typeface="+mn-cs"/>
         </a:defRPr>
       </a:lvl5pPr>
-      <a:lvl6pPr marL="2263140" indent="-205740" algn="l" defTabSz="822960" rtl="0" eaLnBrk="1" latinLnBrk="0" hangingPunct="1">
+      <a:lvl6pPr marL="1508760" indent="-137160" algn="l" defTabSz="548640" rtl="0" eaLnBrk="1" latinLnBrk="0" hangingPunct="1">
         <a:lnSpc>
           <a:spcPct val="90000"/>
         </a:lnSpc>
         <a:spcBef>
-          <a:spcPts val="450"/>
+          <a:spcPts val="300"/>
         </a:spcBef>
         <a:buFont typeface="Arial" panose="020B0604020202020204" pitchFamily="34" charset="0"/>
         <a:buChar char="•"/>
-        <a:defRPr sz="1620" kern="1200">
+        <a:defRPr sz="1080" kern="1200">
           <a:solidFill>
             <a:schemeClr val="tx1"/>
           </a:solidFill>
@@ -2802,16 +2797,16 @@
           <a:cs typeface="+mn-cs"/>
         </a:defRPr>
       </a:lvl6pPr>
-      <a:lvl7pPr marL="2674620" indent="-205740" algn="l" defTabSz="822960" rtl="0" eaLnBrk="1" latinLnBrk="0" hangingPunct="1">
+      <a:lvl7pPr marL="1783080" indent="-137160" algn="l" defTabSz="548640" rtl="0" eaLnBrk="1" latinLnBrk="0" hangingPunct="1">
         <a:lnSpc>
           <a:spcPct val="90000"/>
         </a:lnSpc>
         <a:spcBef>
-          <a:spcPts val="450"/>
+          <a:spcPts val="300"/>
         </a:spcBef>
         <a:buFont typeface="Arial" panose="020B0604020202020204" pitchFamily="34" charset="0"/>
         <a:buChar char="•"/>
-        <a:defRPr sz="1620" kern="1200">
+        <a:defRPr sz="1080" kern="1200">
           <a:solidFill>
             <a:schemeClr val="tx1"/>
           </a:solidFill>
@@ -2820,16 +2815,16 @@
           <a:cs typeface="+mn-cs"/>
         </a:defRPr>
       </a:lvl7pPr>
-      <a:lvl8pPr marL="3086100" indent="-205740" algn="l" defTabSz="822960" rtl="0" eaLnBrk="1" latinLnBrk="0" hangingPunct="1">
+      <a:lvl8pPr marL="2057400" indent="-137160" algn="l" defTabSz="548640" rtl="0" eaLnBrk="1" latinLnBrk="0" hangingPunct="1">
         <a:lnSpc>
           <a:spcPct val="90000"/>
         </a:lnSpc>
         <a:spcBef>
-          <a:spcPts val="450"/>
+          <a:spcPts val="300"/>
         </a:spcBef>
         <a:buFont typeface="Arial" panose="020B0604020202020204" pitchFamily="34" charset="0"/>
         <a:buChar char="•"/>
-        <a:defRPr sz="1620" kern="1200">
+        <a:defRPr sz="1080" kern="1200">
           <a:solidFill>
             <a:schemeClr val="tx1"/>
           </a:solidFill>
@@ -2838,16 +2833,16 @@
           <a:cs typeface="+mn-cs"/>
         </a:defRPr>
       </a:lvl8pPr>
-      <a:lvl9pPr marL="3497580" indent="-205740" algn="l" defTabSz="822960" rtl="0" eaLnBrk="1" latinLnBrk="0" hangingPunct="1">
+      <a:lvl9pPr marL="2331720" indent="-137160" algn="l" defTabSz="548640" rtl="0" eaLnBrk="1" latinLnBrk="0" hangingPunct="1">
         <a:lnSpc>
           <a:spcPct val="90000"/>
         </a:lnSpc>
         <a:spcBef>
-          <a:spcPts val="450"/>
+          <a:spcPts val="300"/>
         </a:spcBef>
         <a:buFont typeface="Arial" panose="020B0604020202020204" pitchFamily="34" charset="0"/>
         <a:buChar char="•"/>
-        <a:defRPr sz="1620" kern="1200">
+        <a:defRPr sz="1080" kern="1200">
           <a:solidFill>
             <a:schemeClr val="tx1"/>
           </a:solidFill>
@@ -2861,8 +2856,8 @@
       <a:defPPr>
         <a:defRPr lang="en-US"/>
       </a:defPPr>
-      <a:lvl1pPr marL="0" algn="l" defTabSz="822960" rtl="0" eaLnBrk="1" latinLnBrk="0" hangingPunct="1">
-        <a:defRPr sz="1620" kern="1200">
+      <a:lvl1pPr marL="0" algn="l" defTabSz="548640" rtl="0" eaLnBrk="1" latinLnBrk="0" hangingPunct="1">
+        <a:defRPr sz="1080" kern="1200">
           <a:solidFill>
             <a:schemeClr val="tx1"/>
           </a:solidFill>
@@ -2871,8 +2866,8 @@
           <a:cs typeface="+mn-cs"/>
         </a:defRPr>
       </a:lvl1pPr>
-      <a:lvl2pPr marL="411480" algn="l" defTabSz="822960" rtl="0" eaLnBrk="1" latinLnBrk="0" hangingPunct="1">
-        <a:defRPr sz="1620" kern="1200">
+      <a:lvl2pPr marL="274320" algn="l" defTabSz="548640" rtl="0" eaLnBrk="1" latinLnBrk="0" hangingPunct="1">
+        <a:defRPr sz="1080" kern="1200">
           <a:solidFill>
             <a:schemeClr val="tx1"/>
           </a:solidFill>
@@ -2881,8 +2876,8 @@
           <a:cs typeface="+mn-cs"/>
         </a:defRPr>
       </a:lvl2pPr>
-      <a:lvl3pPr marL="822960" algn="l" defTabSz="822960" rtl="0" eaLnBrk="1" latinLnBrk="0" hangingPunct="1">
-        <a:defRPr sz="1620" kern="1200">
+      <a:lvl3pPr marL="548640" algn="l" defTabSz="548640" rtl="0" eaLnBrk="1" latinLnBrk="0" hangingPunct="1">
+        <a:defRPr sz="1080" kern="1200">
           <a:solidFill>
             <a:schemeClr val="tx1"/>
           </a:solidFill>
@@ -2891,8 +2886,8 @@
           <a:cs typeface="+mn-cs"/>
         </a:defRPr>
       </a:lvl3pPr>
-      <a:lvl4pPr marL="1234440" algn="l" defTabSz="822960" rtl="0" eaLnBrk="1" latinLnBrk="0" hangingPunct="1">
-        <a:defRPr sz="1620" kern="1200">
+      <a:lvl4pPr marL="822960" algn="l" defTabSz="548640" rtl="0" eaLnBrk="1" latinLnBrk="0" hangingPunct="1">
+        <a:defRPr sz="1080" kern="1200">
           <a:solidFill>
             <a:schemeClr val="tx1"/>
           </a:solidFill>
@@ -2901,8 +2896,8 @@
           <a:cs typeface="+mn-cs"/>
         </a:defRPr>
       </a:lvl4pPr>
-      <a:lvl5pPr marL="1645920" algn="l" defTabSz="822960" rtl="0" eaLnBrk="1" latinLnBrk="0" hangingPunct="1">
-        <a:defRPr sz="1620" kern="1200">
+      <a:lvl5pPr marL="1097280" algn="l" defTabSz="548640" rtl="0" eaLnBrk="1" latinLnBrk="0" hangingPunct="1">
+        <a:defRPr sz="1080" kern="1200">
           <a:solidFill>
             <a:schemeClr val="tx1"/>
           </a:solidFill>
@@ -2911,8 +2906,8 @@
           <a:cs typeface="+mn-cs"/>
         </a:defRPr>
       </a:lvl5pPr>
-      <a:lvl6pPr marL="2057400" algn="l" defTabSz="822960" rtl="0" eaLnBrk="1" latinLnBrk="0" hangingPunct="1">
-        <a:defRPr sz="1620" kern="1200">
+      <a:lvl6pPr marL="1371600" algn="l" defTabSz="548640" rtl="0" eaLnBrk="1" latinLnBrk="0" hangingPunct="1">
+        <a:defRPr sz="1080" kern="1200">
           <a:solidFill>
             <a:schemeClr val="tx1"/>
           </a:solidFill>
@@ -2921,8 +2916,8 @@
           <a:cs typeface="+mn-cs"/>
         </a:defRPr>
       </a:lvl6pPr>
-      <a:lvl7pPr marL="2468880" algn="l" defTabSz="822960" rtl="0" eaLnBrk="1" latinLnBrk="0" hangingPunct="1">
-        <a:defRPr sz="1620" kern="1200">
+      <a:lvl7pPr marL="1645920" algn="l" defTabSz="548640" rtl="0" eaLnBrk="1" latinLnBrk="0" hangingPunct="1">
+        <a:defRPr sz="1080" kern="1200">
           <a:solidFill>
             <a:schemeClr val="tx1"/>
           </a:solidFill>
@@ -2931,8 +2926,8 @@
           <a:cs typeface="+mn-cs"/>
         </a:defRPr>
       </a:lvl7pPr>
-      <a:lvl8pPr marL="2880360" algn="l" defTabSz="822960" rtl="0" eaLnBrk="1" latinLnBrk="0" hangingPunct="1">
-        <a:defRPr sz="1620" kern="1200">
+      <a:lvl8pPr marL="1920240" algn="l" defTabSz="548640" rtl="0" eaLnBrk="1" latinLnBrk="0" hangingPunct="1">
+        <a:defRPr sz="1080" kern="1200">
           <a:solidFill>
             <a:schemeClr val="tx1"/>
           </a:solidFill>
@@ -2941,8 +2936,8 @@
           <a:cs typeface="+mn-cs"/>
         </a:defRPr>
       </a:lvl8pPr>
-      <a:lvl9pPr marL="3291840" algn="l" defTabSz="822960" rtl="0" eaLnBrk="1" latinLnBrk="0" hangingPunct="1">
-        <a:defRPr sz="1620" kern="1200">
+      <a:lvl9pPr marL="2194560" algn="l" defTabSz="548640" rtl="0" eaLnBrk="1" latinLnBrk="0" hangingPunct="1">
+        <a:defRPr sz="1080" kern="1200">
           <a:solidFill>
             <a:schemeClr val="tx1"/>
           </a:solidFill>
@@ -2975,10 +2970,10 @@
       </p:grpSpPr>
       <p:pic>
         <p:nvPicPr>
-          <p:cNvPr id="6" name="Picture 5">
+          <p:cNvPr id="5" name="Picture 4">
             <a:extLst>
               <a:ext uri="{FF2B5EF4-FFF2-40B4-BE49-F238E27FC236}">
-                <a16:creationId xmlns:a16="http://schemas.microsoft.com/office/drawing/2014/main" id="{7DD4D061-8A74-C24D-AC88-D8E93576ED94}"/>
+                <a16:creationId xmlns:a16="http://schemas.microsoft.com/office/drawing/2014/main" id="{AB38D504-3F0D-6345-86CE-3EDB3BC0258A}"/>
               </a:ext>
             </a:extLst>
           </p:cNvPr>
@@ -2989,62 +2984,25 @@
         </p:nvPicPr>
         <p:blipFill rotWithShape="1">
           <a:blip r:embed="rId2"/>
-          <a:srcRect r="15900"/>
+          <a:srcRect r="16089"/>
           <a:stretch/>
         </p:blipFill>
         <p:spPr>
           <a:xfrm>
-            <a:off x="247438" y="0"/>
-            <a:ext cx="5146812" cy="6858000"/>
+            <a:off x="218935" y="275581"/>
+            <a:ext cx="5685572" cy="3617038"/>
           </a:xfrm>
           <a:prstGeom prst="rect">
             <a:avLst/>
           </a:prstGeom>
         </p:spPr>
       </p:pic>
-      <p:sp>
-        <p:nvSpPr>
-          <p:cNvPr id="21" name="Rectangle 20">
+      <p:pic>
+        <p:nvPicPr>
+          <p:cNvPr id="7" name="Picture 6">
             <a:extLst>
               <a:ext uri="{FF2B5EF4-FFF2-40B4-BE49-F238E27FC236}">
-                <a16:creationId xmlns:a16="http://schemas.microsoft.com/office/drawing/2014/main" id="{B5FB9981-9BD0-B148-8280-A963376082EF}"/>
-              </a:ext>
-            </a:extLst>
-          </p:cNvPr>
-          <p:cNvSpPr/>
-          <p:nvPr/>
-        </p:nvSpPr>
-        <p:spPr>
-          <a:xfrm>
-            <a:off x="-15326" y="1"/>
-            <a:ext cx="389850" cy="461665"/>
-          </a:xfrm>
-          <a:prstGeom prst="rect">
-            <a:avLst/>
-          </a:prstGeom>
-        </p:spPr>
-        <p:txBody>
-          <a:bodyPr wrap="none">
-            <a:spAutoFit/>
-          </a:bodyPr>
-          <a:lstStyle/>
-          <a:p>
-            <a:r>
-              <a:rPr lang="en-US" sz="2400" dirty="0">
-                <a:latin typeface="Arial" panose="020B0604020202020204" pitchFamily="34" charset="0"/>
-                <a:cs typeface="Arial" panose="020B0604020202020204" pitchFamily="34" charset="0"/>
-              </a:rPr>
-              <a:t>A</a:t>
-            </a:r>
-          </a:p>
-        </p:txBody>
-      </p:sp>
-      <p:pic>
-        <p:nvPicPr>
-          <p:cNvPr id="8" name="Picture 7">
-            <a:extLst>
-              <a:ext uri="{FF2B5EF4-FFF2-40B4-BE49-F238E27FC236}">
-                <a16:creationId xmlns:a16="http://schemas.microsoft.com/office/drawing/2014/main" id="{1BE44625-4888-2546-87AB-B8E81BBBF435}"/>
+                <a16:creationId xmlns:a16="http://schemas.microsoft.com/office/drawing/2014/main" id="{9871C168-48EC-6543-948F-EBC5111E99C3}"/>
               </a:ext>
             </a:extLst>
           </p:cNvPr>
@@ -3055,13 +3013,13 @@
         </p:nvPicPr>
         <p:blipFill rotWithShape="1">
           <a:blip r:embed="rId3"/>
-          <a:srcRect r="16522" b="24444"/>
+          <a:srcRect r="15989" b="49691"/>
           <a:stretch/>
         </p:blipFill>
         <p:spPr>
           <a:xfrm>
-            <a:off x="5770065" y="0"/>
-            <a:ext cx="5108747" cy="5181600"/>
+            <a:off x="6302655" y="255301"/>
+            <a:ext cx="5692398" cy="1819688"/>
           </a:xfrm>
           <a:prstGeom prst="rect">
             <a:avLst/>
@@ -3070,10 +3028,10 @@
       </p:pic>
       <p:sp>
         <p:nvSpPr>
-          <p:cNvPr id="22" name="Rectangle 21">
+          <p:cNvPr id="8" name="Rectangle 7">
             <a:extLst>
               <a:ext uri="{FF2B5EF4-FFF2-40B4-BE49-F238E27FC236}">
-                <a16:creationId xmlns:a16="http://schemas.microsoft.com/office/drawing/2014/main" id="{B37135EE-DC76-BB4D-9836-013C401987CF}"/>
+                <a16:creationId xmlns:a16="http://schemas.microsoft.com/office/drawing/2014/main" id="{680AB522-A694-4C45-84AE-3B09F7811FA9}"/>
               </a:ext>
             </a:extLst>
           </p:cNvPr>
@@ -3082,7 +3040,7 @@
         </p:nvSpPr>
         <p:spPr>
           <a:xfrm>
-            <a:off x="5428420" y="1"/>
+            <a:off x="26878" y="63310"/>
             <a:ext cx="389850" cy="461665"/>
           </a:xfrm>
           <a:prstGeom prst="rect">
@@ -3100,6 +3058,43 @@
                 <a:latin typeface="Arial" panose="020B0604020202020204" pitchFamily="34" charset="0"/>
                 <a:cs typeface="Arial" panose="020B0604020202020204" pitchFamily="34" charset="0"/>
               </a:rPr>
+              <a:t>A</a:t>
+            </a:r>
+          </a:p>
+        </p:txBody>
+      </p:sp>
+      <p:sp>
+        <p:nvSpPr>
+          <p:cNvPr id="9" name="Rectangle 8">
+            <a:extLst>
+              <a:ext uri="{FF2B5EF4-FFF2-40B4-BE49-F238E27FC236}">
+                <a16:creationId xmlns:a16="http://schemas.microsoft.com/office/drawing/2014/main" id="{626F7ABB-C281-384D-9F38-B4C0C893DE3F}"/>
+              </a:ext>
+            </a:extLst>
+          </p:cNvPr>
+          <p:cNvSpPr/>
+          <p:nvPr/>
+        </p:nvSpPr>
+        <p:spPr>
+          <a:xfrm>
+            <a:off x="6031124" y="63310"/>
+            <a:ext cx="389850" cy="461665"/>
+          </a:xfrm>
+          <a:prstGeom prst="rect">
+            <a:avLst/>
+          </a:prstGeom>
+        </p:spPr>
+        <p:txBody>
+          <a:bodyPr wrap="none">
+            <a:spAutoFit/>
+          </a:bodyPr>
+          <a:lstStyle/>
+          <a:p>
+            <a:r>
+              <a:rPr lang="en-US" sz="2400" dirty="0">
+                <a:latin typeface="Arial" panose="020B0604020202020204" pitchFamily="34" charset="0"/>
+                <a:cs typeface="Arial" panose="020B0604020202020204" pitchFamily="34" charset="0"/>
+              </a:rPr>
               <a:t>B</a:t>
             </a:r>
           </a:p>
@@ -3107,10 +3102,10 @@
       </p:sp>
       <p:grpSp>
         <p:nvGrpSpPr>
-          <p:cNvPr id="32" name="Group 31">
+          <p:cNvPr id="10" name="Group 9">
             <a:extLst>
               <a:ext uri="{FF2B5EF4-FFF2-40B4-BE49-F238E27FC236}">
-                <a16:creationId xmlns:a16="http://schemas.microsoft.com/office/drawing/2014/main" id="{F9567447-DF8F-BC4B-AA11-3405E7354D34}"/>
+                <a16:creationId xmlns:a16="http://schemas.microsoft.com/office/drawing/2014/main" id="{2C9A54C6-478B-7E4D-93EA-E32C650B2129}"/>
               </a:ext>
             </a:extLst>
           </p:cNvPr>
@@ -3119,7 +3114,7 @@
         </p:nvGrpSpPr>
         <p:grpSpPr>
           <a:xfrm>
-            <a:off x="4012080" y="5563223"/>
+            <a:off x="4519612" y="2561282"/>
             <a:ext cx="3437419" cy="1046440"/>
             <a:chOff x="3743310" y="5318825"/>
             <a:chExt cx="3437419" cy="1046440"/>
@@ -3127,10 +3122,10 @@
         </p:grpSpPr>
         <p:sp>
           <p:nvSpPr>
-            <p:cNvPr id="12" name="TextBox 11">
+            <p:cNvPr id="11" name="TextBox 10">
               <a:extLst>
                 <a:ext uri="{FF2B5EF4-FFF2-40B4-BE49-F238E27FC236}">
-                  <a16:creationId xmlns:a16="http://schemas.microsoft.com/office/drawing/2014/main" id="{4FE2DF96-56CC-5347-BA93-5A7F71E8574A}"/>
+                  <a16:creationId xmlns:a16="http://schemas.microsoft.com/office/drawing/2014/main" id="{840959F4-9992-C34C-9424-03DF2D245CBA}"/>
                 </a:ext>
               </a:extLst>
             </p:cNvPr>
@@ -3259,10 +3254,10 @@
         </p:sp>
         <p:cxnSp>
           <p:nvCxnSpPr>
-            <p:cNvPr id="14" name="Straight Connector 13">
+            <p:cNvPr id="12" name="Straight Connector 11">
               <a:extLst>
                 <a:ext uri="{FF2B5EF4-FFF2-40B4-BE49-F238E27FC236}">
-                  <a16:creationId xmlns:a16="http://schemas.microsoft.com/office/drawing/2014/main" id="{61E1E2D9-746A-EB4D-8C49-08D1CD771B9D}"/>
+                  <a16:creationId xmlns:a16="http://schemas.microsoft.com/office/drawing/2014/main" id="{5C4E120F-7475-B246-99EA-247032F14FC8}"/>
                 </a:ext>
               </a:extLst>
             </p:cNvPr>
@@ -3300,10 +3295,10 @@
         </p:cxnSp>
         <p:cxnSp>
           <p:nvCxnSpPr>
-            <p:cNvPr id="15" name="Straight Connector 14">
+            <p:cNvPr id="13" name="Straight Connector 12">
               <a:extLst>
                 <a:ext uri="{FF2B5EF4-FFF2-40B4-BE49-F238E27FC236}">
-                  <a16:creationId xmlns:a16="http://schemas.microsoft.com/office/drawing/2014/main" id="{595D902E-22A2-0946-AFC2-8100B4098B62}"/>
+                  <a16:creationId xmlns:a16="http://schemas.microsoft.com/office/drawing/2014/main" id="{3A5F46E1-781B-1944-9598-DE318C2BCAD9}"/>
                 </a:ext>
               </a:extLst>
             </p:cNvPr>
@@ -3341,10 +3336,10 @@
         </p:cxnSp>
         <p:cxnSp>
           <p:nvCxnSpPr>
-            <p:cNvPr id="16" name="Straight Connector 15">
+            <p:cNvPr id="14" name="Straight Connector 13">
               <a:extLst>
                 <a:ext uri="{FF2B5EF4-FFF2-40B4-BE49-F238E27FC236}">
-                  <a16:creationId xmlns:a16="http://schemas.microsoft.com/office/drawing/2014/main" id="{5CC1956A-3F0E-6D40-B340-B8B42DEDC400}"/>
+                  <a16:creationId xmlns:a16="http://schemas.microsoft.com/office/drawing/2014/main" id="{A2E40691-5045-4446-A6B6-CD674F469FBE}"/>
                 </a:ext>
               </a:extLst>
             </p:cNvPr>
@@ -3382,10 +3377,10 @@
         </p:cxnSp>
         <p:cxnSp>
           <p:nvCxnSpPr>
-            <p:cNvPr id="17" name="Straight Connector 16">
+            <p:cNvPr id="15" name="Straight Connector 14">
               <a:extLst>
                 <a:ext uri="{FF2B5EF4-FFF2-40B4-BE49-F238E27FC236}">
-                  <a16:creationId xmlns:a16="http://schemas.microsoft.com/office/drawing/2014/main" id="{F24B9898-A46E-7144-9A5D-EFBBA4FAF7CA}"/>
+                  <a16:creationId xmlns:a16="http://schemas.microsoft.com/office/drawing/2014/main" id="{8AE6499D-F902-C642-B84A-9153B6046106}"/>
                 </a:ext>
               </a:extLst>
             </p:cNvPr>
@@ -3423,10 +3418,10 @@
         </p:cxnSp>
         <p:cxnSp>
           <p:nvCxnSpPr>
-            <p:cNvPr id="18" name="Straight Connector 17">
+            <p:cNvPr id="16" name="Straight Connector 15">
               <a:extLst>
                 <a:ext uri="{FF2B5EF4-FFF2-40B4-BE49-F238E27FC236}">
-                  <a16:creationId xmlns:a16="http://schemas.microsoft.com/office/drawing/2014/main" id="{07D24D0B-1326-D145-94F3-844C7F7E174C}"/>
+                  <a16:creationId xmlns:a16="http://schemas.microsoft.com/office/drawing/2014/main" id="{D71CDAB2-0A42-EB44-A09E-349628E0EF1B}"/>
                 </a:ext>
               </a:extLst>
             </p:cNvPr>
@@ -3464,10 +3459,10 @@
         </p:cxnSp>
         <p:cxnSp>
           <p:nvCxnSpPr>
-            <p:cNvPr id="19" name="Straight Connector 18">
+            <p:cNvPr id="17" name="Straight Connector 16">
               <a:extLst>
                 <a:ext uri="{FF2B5EF4-FFF2-40B4-BE49-F238E27FC236}">
-                  <a16:creationId xmlns:a16="http://schemas.microsoft.com/office/drawing/2014/main" id="{70B1B2E7-ABDB-8847-8E87-576489E09F83}"/>
+                  <a16:creationId xmlns:a16="http://schemas.microsoft.com/office/drawing/2014/main" id="{2DA64EE0-85EC-0345-844D-FE9A32887DCE}"/>
                 </a:ext>
               </a:extLst>
             </p:cNvPr>
@@ -3507,10 +3502,10 @@
       </p:grpSp>
       <p:pic>
         <p:nvPicPr>
-          <p:cNvPr id="10" name="Picture 9">
+          <p:cNvPr id="20" name="Picture 19">
             <a:extLst>
               <a:ext uri="{FF2B5EF4-FFF2-40B4-BE49-F238E27FC236}">
-                <a16:creationId xmlns:a16="http://schemas.microsoft.com/office/drawing/2014/main" id="{48AD14A9-F21C-2A49-8D6D-2D2BD667B8A4}"/>
+                <a16:creationId xmlns:a16="http://schemas.microsoft.com/office/drawing/2014/main" id="{9292CA2A-2651-6F48-9C74-639F1B2BB7F5}"/>
               </a:ext>
             </a:extLst>
           </p:cNvPr>
@@ -3521,13 +3516,13 @@
         </p:nvPicPr>
         <p:blipFill rotWithShape="1">
           <a:blip r:embed="rId3"/>
-          <a:srcRect t="75555" r="55188"/>
+          <a:srcRect t="48818" r="53613"/>
           <a:stretch/>
         </p:blipFill>
         <p:spPr>
           <a:xfrm>
-            <a:off x="8187197" y="5181600"/>
-            <a:ext cx="2742415" cy="1676400"/>
+            <a:off x="8964499" y="2041343"/>
+            <a:ext cx="3143093" cy="1851276"/>
           </a:xfrm>
           <a:prstGeom prst="rect">
             <a:avLst/>
@@ -3537,7 +3532,7 @@
     </p:spTree>
     <p:extLst>
       <p:ext uri="{BB962C8B-B14F-4D97-AF65-F5344CB8AC3E}">
-        <p14:creationId xmlns:p14="http://schemas.microsoft.com/office/powerpoint/2010/main" val="185230218"/>
+        <p14:creationId xmlns:p14="http://schemas.microsoft.com/office/powerpoint/2010/main" val="1438135653"/>
       </p:ext>
     </p:extLst>
   </p:cSld>
